--- a/unstyled component.pptx
+++ b/unstyled component.pptx
@@ -5,7 +5,7 @@
     <p:sldMasterId id="2147483914" r:id="rId1"/>
   </p:sldMasterIdLst>
   <p:notesMasterIdLst>
-    <p:notesMasterId r:id="rId11"/>
+    <p:notesMasterId r:id="rId12"/>
   </p:notesMasterIdLst>
   <p:sldIdLst>
     <p:sldId id="258" r:id="rId2"/>
@@ -16,7 +16,8 @@
     <p:sldId id="266" r:id="rId7"/>
     <p:sldId id="267" r:id="rId8"/>
     <p:sldId id="257" r:id="rId9"/>
-    <p:sldId id="259" r:id="rId10"/>
+    <p:sldId id="268" r:id="rId10"/>
+    <p:sldId id="259" r:id="rId11"/>
   </p:sldIdLst>
   <p:sldSz cx="12192000" cy="6858000"/>
   <p:notesSz cx="6858000" cy="9144000"/>
@@ -4385,6 +4386,111 @@
 </p:sld>
 </file>
 
+<file path=ppt/slides/slide10.xml><?xml version="1.0" encoding="utf-8"?>
+<p:sld xmlns:a="http://schemas.openxmlformats.org/drawingml/2006/main" xmlns:r="http://schemas.openxmlformats.org/officeDocument/2006/relationships" xmlns:p="http://schemas.openxmlformats.org/presentationml/2006/main">
+  <p:cSld>
+    <p:spTree>
+      <p:nvGrpSpPr>
+        <p:cNvPr id="1" name=""/>
+        <p:cNvGrpSpPr/>
+        <p:nvPr/>
+      </p:nvGrpSpPr>
+      <p:grpSpPr>
+        <a:xfrm>
+          <a:off x="0" y="0"/>
+          <a:ext cx="0" cy="0"/>
+          <a:chOff x="0" y="0"/>
+          <a:chExt cx="0" cy="0"/>
+        </a:xfrm>
+      </p:grpSpPr>
+      <p:sp>
+        <p:nvSpPr>
+          <p:cNvPr id="2" name="Rectangle 1"/>
+          <p:cNvSpPr/>
+          <p:nvPr/>
+        </p:nvSpPr>
+        <p:spPr>
+          <a:xfrm>
+            <a:off x="256674" y="1171073"/>
+            <a:ext cx="7892715" cy="1754326"/>
+          </a:xfrm>
+          <a:prstGeom prst="rect">
+            <a:avLst/>
+          </a:prstGeom>
+        </p:spPr>
+        <p:txBody>
+          <a:bodyPr wrap="square">
+            <a:spAutoFit/>
+          </a:bodyPr>
+          <a:lstStyle/>
+          <a:p>
+            <a:r>
+              <a:rPr lang="en-US" b="0" i="0" dirty="0">
+                <a:solidFill>
+                  <a:srgbClr val="000000"/>
+                </a:solidFill>
+                <a:effectLst/>
+                <a:latin typeface="ui-sans-serif"/>
+              </a:rPr>
+              <a:t>check box</a:t>
+            </a:r>
+          </a:p>
+          <a:p>
+            <a:endParaRPr lang="en-US" dirty="0">
+              <a:solidFill>
+                <a:srgbClr val="000000"/>
+              </a:solidFill>
+              <a:latin typeface="ui-sans-serif"/>
+            </a:endParaRPr>
+          </a:p>
+          <a:p>
+            <a:r>
+              <a:rPr lang="en-US">
+                <a:solidFill>
+                  <a:srgbClr val="000000"/>
+                </a:solidFill>
+                <a:latin typeface="ui-sans-serif"/>
+              </a:rPr>
+              <a:t>Radix:  trong custom component, phải tạo id để không trùng</a:t>
+            </a:r>
+          </a:p>
+          <a:p>
+            <a:r>
+              <a:rPr lang="en-US">
+                <a:solidFill>
+                  <a:srgbClr val="000000"/>
+                </a:solidFill>
+                <a:latin typeface="ui-sans-serif"/>
+              </a:rPr>
+              <a:t>Headless: </a:t>
+            </a:r>
+            <a:r>
+              <a:rPr lang="vi-VN"/>
+              <a:t>ID được sinh ra tự động</a:t>
+            </a:r>
+            <a:r>
+              <a:rPr lang="en-US"/>
+              <a:t> khi sử dụng Field component để bao bọc một Label và Checkbox, chúng có thể tự động liên kết chúng với nhau.</a:t>
+            </a:r>
+          </a:p>
+          <a:p>
+            <a:endParaRPr lang="en-US" dirty="0"/>
+          </a:p>
+        </p:txBody>
+      </p:sp>
+    </p:spTree>
+    <p:extLst>
+      <p:ext uri="{BB962C8B-B14F-4D97-AF65-F5344CB8AC3E}">
+        <p14:creationId xmlns:p14="http://schemas.microsoft.com/office/powerpoint/2010/main" val="2146580627"/>
+      </p:ext>
+    </p:extLst>
+  </p:cSld>
+  <p:clrMapOvr>
+    <a:masterClrMapping/>
+  </p:clrMapOvr>
+</p:sld>
+</file>
+
 <file path=ppt/slides/slide2.xml><?xml version="1.0" encoding="utf-8"?>
 <p:sld xmlns:a="http://schemas.openxmlformats.org/drawingml/2006/main" xmlns:r="http://schemas.openxmlformats.org/officeDocument/2006/relationships" xmlns:p="http://schemas.openxmlformats.org/presentationml/2006/main">
   <p:cSld>
@@ -6996,83 +7102,1501 @@
       </p:grpSpPr>
       <p:sp>
         <p:nvSpPr>
-          <p:cNvPr id="2" name="Rectangle 1"/>
+          <p:cNvPr id="56" name="Google Shape;386;p27">
+            <a:extLst>
+              <a:ext uri="{FF2B5EF4-FFF2-40B4-BE49-F238E27FC236}">
+                <a16:creationId xmlns:a16="http://schemas.microsoft.com/office/drawing/2014/main" id="{ACFE1B76-63FA-457A-5D04-99C78C3FD6FD}"/>
+              </a:ext>
+            </a:extLst>
+          </p:cNvPr>
           <p:cNvSpPr/>
           <p:nvPr/>
         </p:nvSpPr>
         <p:spPr>
           <a:xfrm>
-            <a:off x="256674" y="1171073"/>
-            <a:ext cx="7892715" cy="1754326"/>
+            <a:off x="3548293" y="773525"/>
+            <a:ext cx="2226927" cy="818197"/>
+          </a:xfrm>
+          <a:prstGeom prst="roundRect">
+            <a:avLst>
+              <a:gd name="adj" fmla="val 9314"/>
+            </a:avLst>
+          </a:prstGeom>
+          <a:noFill/>
+          <a:ln w="19050" cap="flat" cmpd="sng">
+            <a:solidFill>
+              <a:srgbClr val="D752A4"/>
+            </a:solidFill>
+            <a:prstDash val="solid"/>
+            <a:round/>
+            <a:headEnd type="none" w="sm" len="sm"/>
+            <a:tailEnd type="none" w="sm" len="sm"/>
+          </a:ln>
+        </p:spPr>
+        <p:txBody>
+          <a:bodyPr spcFirstLastPara="1" wrap="square" lIns="34300" tIns="17150" rIns="34300" bIns="17150" anchor="ctr" anchorCtr="0">
+            <a:noAutofit/>
+          </a:bodyPr>
+          <a:lstStyle/>
+          <a:p>
+            <a:pPr marL="0" marR="0" lvl="0" indent="0" algn="ctr" rtl="0">
+              <a:spcBef>
+                <a:spcPts val="0"/>
+              </a:spcBef>
+              <a:spcAft>
+                <a:spcPts val="0"/>
+              </a:spcAft>
+              <a:buNone/>
+            </a:pPr>
+            <a:endParaRPr sz="1400">
+              <a:solidFill>
+                <a:srgbClr val="31A9EA"/>
+              </a:solidFill>
+              <a:latin typeface="Lato Light"/>
+              <a:ea typeface="Lato Light"/>
+              <a:cs typeface="Lato Light"/>
+              <a:sym typeface="Lato Light"/>
+            </a:endParaRPr>
+          </a:p>
+        </p:txBody>
+      </p:sp>
+      <p:sp>
+        <p:nvSpPr>
+          <p:cNvPr id="57" name="Google Shape;387;p27">
+            <a:extLst>
+              <a:ext uri="{FF2B5EF4-FFF2-40B4-BE49-F238E27FC236}">
+                <a16:creationId xmlns:a16="http://schemas.microsoft.com/office/drawing/2014/main" id="{8833797E-B8F6-2A13-BA19-9ED8CB55D1DD}"/>
+              </a:ext>
+            </a:extLst>
+          </p:cNvPr>
+          <p:cNvSpPr/>
+          <p:nvPr/>
+        </p:nvSpPr>
+        <p:spPr>
+          <a:xfrm>
+            <a:off x="6187986" y="762000"/>
+            <a:ext cx="2226927" cy="818197"/>
+          </a:xfrm>
+          <a:prstGeom prst="roundRect">
+            <a:avLst>
+              <a:gd name="adj" fmla="val 9314"/>
+            </a:avLst>
+          </a:prstGeom>
+          <a:noFill/>
+          <a:ln w="9525" cap="flat" cmpd="sng">
+            <a:solidFill>
+              <a:srgbClr val="31A9EA"/>
+            </a:solidFill>
+            <a:prstDash val="solid"/>
+            <a:round/>
+            <a:headEnd type="none" w="sm" len="sm"/>
+            <a:tailEnd type="none" w="sm" len="sm"/>
+          </a:ln>
+        </p:spPr>
+        <p:txBody>
+          <a:bodyPr spcFirstLastPara="1" wrap="square" lIns="34300" tIns="17150" rIns="34300" bIns="17150" anchor="ctr" anchorCtr="0">
+            <a:noAutofit/>
+          </a:bodyPr>
+          <a:lstStyle/>
+          <a:p>
+            <a:pPr marL="0" marR="0" lvl="0" indent="0" algn="ctr" rtl="0">
+              <a:spcBef>
+                <a:spcPts val="0"/>
+              </a:spcBef>
+              <a:spcAft>
+                <a:spcPts val="0"/>
+              </a:spcAft>
+              <a:buNone/>
+            </a:pPr>
+            <a:endParaRPr sz="1400">
+              <a:solidFill>
+                <a:srgbClr val="31A9EA"/>
+              </a:solidFill>
+              <a:latin typeface="Lato Light"/>
+              <a:ea typeface="Lato Light"/>
+              <a:cs typeface="Lato Light"/>
+              <a:sym typeface="Lato Light"/>
+            </a:endParaRPr>
+          </a:p>
+        </p:txBody>
+      </p:sp>
+      <p:sp>
+        <p:nvSpPr>
+          <p:cNvPr id="58" name="Google Shape;388;p27">
+            <a:extLst>
+              <a:ext uri="{FF2B5EF4-FFF2-40B4-BE49-F238E27FC236}">
+                <a16:creationId xmlns:a16="http://schemas.microsoft.com/office/drawing/2014/main" id="{F54E806E-A2BE-8660-60DB-42012D9828AE}"/>
+              </a:ext>
+            </a:extLst>
+          </p:cNvPr>
+          <p:cNvSpPr/>
+          <p:nvPr/>
+        </p:nvSpPr>
+        <p:spPr>
+          <a:xfrm>
+            <a:off x="8793498" y="762000"/>
+            <a:ext cx="2226927" cy="818197"/>
+          </a:xfrm>
+          <a:prstGeom prst="roundRect">
+            <a:avLst>
+              <a:gd name="adj" fmla="val 9314"/>
+            </a:avLst>
+          </a:prstGeom>
+          <a:noFill/>
+          <a:ln w="19050" cap="flat" cmpd="sng">
+            <a:solidFill>
+              <a:srgbClr val="F9DC01"/>
+            </a:solidFill>
+            <a:prstDash val="solid"/>
+            <a:round/>
+            <a:headEnd type="none" w="sm" len="sm"/>
+            <a:tailEnd type="none" w="sm" len="sm"/>
+          </a:ln>
+        </p:spPr>
+        <p:txBody>
+          <a:bodyPr spcFirstLastPara="1" wrap="square" lIns="34300" tIns="17150" rIns="34300" bIns="17150" anchor="ctr" anchorCtr="0">
+            <a:noAutofit/>
+          </a:bodyPr>
+          <a:lstStyle/>
+          <a:p>
+            <a:pPr marL="0" marR="0" lvl="0" indent="0" algn="ctr" rtl="0">
+              <a:spcBef>
+                <a:spcPts val="0"/>
+              </a:spcBef>
+              <a:spcAft>
+                <a:spcPts val="0"/>
+              </a:spcAft>
+              <a:buNone/>
+            </a:pPr>
+            <a:endParaRPr sz="1400">
+              <a:solidFill>
+                <a:srgbClr val="31A9EA"/>
+              </a:solidFill>
+              <a:latin typeface="Lato Light"/>
+              <a:ea typeface="Lato Light"/>
+              <a:cs typeface="Lato Light"/>
+              <a:sym typeface="Lato Light"/>
+            </a:endParaRPr>
+          </a:p>
+        </p:txBody>
+      </p:sp>
+      <p:sp>
+        <p:nvSpPr>
+          <p:cNvPr id="59" name="Google Shape;389;p27">
+            <a:extLst>
+              <a:ext uri="{FF2B5EF4-FFF2-40B4-BE49-F238E27FC236}">
+                <a16:creationId xmlns:a16="http://schemas.microsoft.com/office/drawing/2014/main" id="{4614E40D-DF05-E3EA-9E2C-6D8FBDB33FBD}"/>
+              </a:ext>
+            </a:extLst>
+          </p:cNvPr>
+          <p:cNvSpPr/>
+          <p:nvPr/>
+        </p:nvSpPr>
+        <p:spPr>
+          <a:xfrm>
+            <a:off x="577198" y="2151693"/>
+            <a:ext cx="2627315" cy="660635"/>
+          </a:xfrm>
+          <a:prstGeom prst="roundRect">
+            <a:avLst>
+              <a:gd name="adj" fmla="val 9314"/>
+            </a:avLst>
+          </a:prstGeom>
+          <a:noFill/>
+          <a:ln w="19050" cap="flat" cmpd="sng">
+            <a:solidFill>
+              <a:srgbClr val="FFFFFF"/>
+            </a:solidFill>
+            <a:prstDash val="solid"/>
+            <a:round/>
+            <a:headEnd type="none" w="sm" len="sm"/>
+            <a:tailEnd type="none" w="sm" len="sm"/>
+          </a:ln>
+        </p:spPr>
+        <p:txBody>
+          <a:bodyPr spcFirstLastPara="1" wrap="square" lIns="34300" tIns="17150" rIns="34300" bIns="17150" anchor="ctr" anchorCtr="0">
+            <a:noAutofit/>
+          </a:bodyPr>
+          <a:lstStyle/>
+          <a:p>
+            <a:pPr marL="0" lvl="0" indent="0" algn="l" rtl="0">
+              <a:spcBef>
+                <a:spcPts val="0"/>
+              </a:spcBef>
+              <a:spcAft>
+                <a:spcPts val="0"/>
+              </a:spcAft>
+              <a:buClr>
+                <a:srgbClr val="D752A4"/>
+              </a:buClr>
+              <a:buSzPts val="1100"/>
+              <a:buFont typeface="Arial"/>
+              <a:buNone/>
+            </a:pPr>
+            <a:r>
+              <a:rPr lang="en-US" sz="1400">
+                <a:solidFill>
+                  <a:srgbClr val="FFFFFF"/>
+                </a:solidFill>
+                <a:latin typeface="Lato Light"/>
+                <a:ea typeface="Lato Light"/>
+                <a:cs typeface="Lato Light"/>
+                <a:sym typeface="Lato Light"/>
+              </a:rPr>
+              <a:t>Star</a:t>
+            </a:r>
+            <a:endParaRPr lang="en-GB" sz="1400">
+              <a:solidFill>
+                <a:srgbClr val="FFFFFF"/>
+              </a:solidFill>
+              <a:latin typeface="Lato Light"/>
+              <a:ea typeface="Lato Light"/>
+              <a:cs typeface="Lato Light"/>
+              <a:sym typeface="Lato Light"/>
+            </a:endParaRPr>
+          </a:p>
+        </p:txBody>
+      </p:sp>
+      <p:sp>
+        <p:nvSpPr>
+          <p:cNvPr id="64" name="Google Shape;394;p27">
+            <a:extLst>
+              <a:ext uri="{FF2B5EF4-FFF2-40B4-BE49-F238E27FC236}">
+                <a16:creationId xmlns:a16="http://schemas.microsoft.com/office/drawing/2014/main" id="{C033A839-3B23-34C5-0AE4-B42CE108FA2E}"/>
+              </a:ext>
+            </a:extLst>
+          </p:cNvPr>
+          <p:cNvSpPr/>
+          <p:nvPr/>
+        </p:nvSpPr>
+        <p:spPr>
+          <a:xfrm>
+            <a:off x="3586907" y="2151693"/>
+            <a:ext cx="2226927" cy="660635"/>
+          </a:xfrm>
+          <a:prstGeom prst="roundRect">
+            <a:avLst>
+              <a:gd name="adj" fmla="val 9314"/>
+            </a:avLst>
+          </a:prstGeom>
+          <a:noFill/>
+          <a:ln w="19050" cap="flat" cmpd="sng">
+            <a:solidFill>
+              <a:srgbClr val="D752A4"/>
+            </a:solidFill>
+            <a:prstDash val="solid"/>
+            <a:round/>
+            <a:headEnd type="none" w="sm" len="sm"/>
+            <a:tailEnd type="none" w="sm" len="sm"/>
+          </a:ln>
+        </p:spPr>
+        <p:txBody>
+          <a:bodyPr spcFirstLastPara="1" wrap="square" lIns="34300" tIns="17150" rIns="34300" bIns="17150" anchor="ctr" anchorCtr="0">
+            <a:noAutofit/>
+          </a:bodyPr>
+          <a:lstStyle/>
+          <a:p>
+            <a:pPr marL="0" marR="0" lvl="0" indent="0" algn="ctr" rtl="0">
+              <a:spcBef>
+                <a:spcPts val="0"/>
+              </a:spcBef>
+              <a:spcAft>
+                <a:spcPts val="0"/>
+              </a:spcAft>
+              <a:buNone/>
+            </a:pPr>
+            <a:endParaRPr sz="1400">
+              <a:solidFill>
+                <a:srgbClr val="31A9EA"/>
+              </a:solidFill>
+              <a:latin typeface="Lato Light"/>
+              <a:ea typeface="Lato Light"/>
+              <a:cs typeface="Lato Light"/>
+              <a:sym typeface="Lato Light"/>
+            </a:endParaRPr>
+          </a:p>
+        </p:txBody>
+      </p:sp>
+      <p:sp>
+        <p:nvSpPr>
+          <p:cNvPr id="69" name="Google Shape;399;p27">
+            <a:extLst>
+              <a:ext uri="{FF2B5EF4-FFF2-40B4-BE49-F238E27FC236}">
+                <a16:creationId xmlns:a16="http://schemas.microsoft.com/office/drawing/2014/main" id="{899A481D-3953-FFFA-2FB6-E3B6C94677FF}"/>
+              </a:ext>
+            </a:extLst>
+          </p:cNvPr>
+          <p:cNvSpPr/>
+          <p:nvPr/>
+        </p:nvSpPr>
+        <p:spPr>
+          <a:xfrm>
+            <a:off x="6187986" y="2151693"/>
+            <a:ext cx="2226927" cy="660635"/>
+          </a:xfrm>
+          <a:prstGeom prst="roundRect">
+            <a:avLst>
+              <a:gd name="adj" fmla="val 9314"/>
+            </a:avLst>
+          </a:prstGeom>
+          <a:noFill/>
+          <a:ln w="9525" cap="flat" cmpd="sng">
+            <a:solidFill>
+              <a:srgbClr val="31A9EA"/>
+            </a:solidFill>
+            <a:prstDash val="solid"/>
+            <a:round/>
+            <a:headEnd type="none" w="sm" len="sm"/>
+            <a:tailEnd type="none" w="sm" len="sm"/>
+          </a:ln>
+        </p:spPr>
+        <p:txBody>
+          <a:bodyPr spcFirstLastPara="1" wrap="square" lIns="34300" tIns="17150" rIns="34300" bIns="17150" anchor="ctr" anchorCtr="0">
+            <a:noAutofit/>
+          </a:bodyPr>
+          <a:lstStyle/>
+          <a:p>
+            <a:pPr marL="0" marR="0" lvl="0" indent="0" algn="ctr" rtl="0">
+              <a:spcBef>
+                <a:spcPts val="0"/>
+              </a:spcBef>
+              <a:spcAft>
+                <a:spcPts val="0"/>
+              </a:spcAft>
+              <a:buNone/>
+            </a:pPr>
+            <a:endParaRPr sz="1400">
+              <a:solidFill>
+                <a:srgbClr val="31A9EA"/>
+              </a:solidFill>
+              <a:latin typeface="Lato Light"/>
+              <a:ea typeface="Lato Light"/>
+              <a:cs typeface="Lato Light"/>
+              <a:sym typeface="Lato Light"/>
+            </a:endParaRPr>
+          </a:p>
+        </p:txBody>
+      </p:sp>
+      <p:sp>
+        <p:nvSpPr>
+          <p:cNvPr id="74" name="Google Shape;404;p27">
+            <a:extLst>
+              <a:ext uri="{FF2B5EF4-FFF2-40B4-BE49-F238E27FC236}">
+                <a16:creationId xmlns:a16="http://schemas.microsoft.com/office/drawing/2014/main" id="{7E108594-9D52-07E4-ECCE-368545D3851C}"/>
+              </a:ext>
+            </a:extLst>
+          </p:cNvPr>
+          <p:cNvSpPr/>
+          <p:nvPr/>
+        </p:nvSpPr>
+        <p:spPr>
+          <a:xfrm>
+            <a:off x="8808948" y="2151694"/>
+            <a:ext cx="2226927" cy="660635"/>
+          </a:xfrm>
+          <a:prstGeom prst="roundRect">
+            <a:avLst>
+              <a:gd name="adj" fmla="val 9314"/>
+            </a:avLst>
+          </a:prstGeom>
+          <a:noFill/>
+          <a:ln w="19050" cap="flat" cmpd="sng">
+            <a:solidFill>
+              <a:srgbClr val="F9DC01"/>
+            </a:solidFill>
+            <a:prstDash val="solid"/>
+            <a:round/>
+            <a:headEnd type="none" w="sm" len="sm"/>
+            <a:tailEnd type="none" w="sm" len="sm"/>
+          </a:ln>
+        </p:spPr>
+        <p:txBody>
+          <a:bodyPr spcFirstLastPara="1" wrap="square" lIns="34300" tIns="17150" rIns="34300" bIns="17150" anchor="ctr" anchorCtr="0">
+            <a:noAutofit/>
+          </a:bodyPr>
+          <a:lstStyle/>
+          <a:p>
+            <a:pPr marL="0" marR="0" lvl="0" indent="0" algn="ctr" rtl="0">
+              <a:spcBef>
+                <a:spcPts val="0"/>
+              </a:spcBef>
+              <a:spcAft>
+                <a:spcPts val="0"/>
+              </a:spcAft>
+              <a:buNone/>
+            </a:pPr>
+            <a:endParaRPr sz="1400">
+              <a:solidFill>
+                <a:srgbClr val="31A9EA"/>
+              </a:solidFill>
+              <a:latin typeface="Lato Light"/>
+              <a:ea typeface="Lato Light"/>
+              <a:cs typeface="Lato Light"/>
+              <a:sym typeface="Lato Light"/>
+            </a:endParaRPr>
+          </a:p>
+        </p:txBody>
+      </p:sp>
+      <p:sp>
+        <p:nvSpPr>
+          <p:cNvPr id="79" name="Google Shape;409;p27">
+            <a:extLst>
+              <a:ext uri="{FF2B5EF4-FFF2-40B4-BE49-F238E27FC236}">
+                <a16:creationId xmlns:a16="http://schemas.microsoft.com/office/drawing/2014/main" id="{2BA2283F-E498-2866-3969-3C958DF7C8B6}"/>
+              </a:ext>
+            </a:extLst>
+          </p:cNvPr>
+          <p:cNvSpPr txBox="1"/>
+          <p:nvPr/>
+        </p:nvSpPr>
+        <p:spPr>
+          <a:xfrm>
+            <a:off x="3699121" y="862441"/>
+            <a:ext cx="2159855" cy="600415"/>
           </a:xfrm>
           <a:prstGeom prst="rect">
             <a:avLst/>
           </a:prstGeom>
+          <a:noFill/>
+          <a:ln>
+            <a:noFill/>
+          </a:ln>
         </p:spPr>
         <p:txBody>
-          <a:bodyPr wrap="square">
-            <a:spAutoFit/>
+          <a:bodyPr spcFirstLastPara="1" wrap="square" lIns="34300" tIns="17150" rIns="34300" bIns="17150" anchor="ctr" anchorCtr="0">
+            <a:noAutofit/>
           </a:bodyPr>
           <a:lstStyle/>
           <a:p>
-            <a:r>
-              <a:rPr lang="en-US" b="0" i="0" dirty="0">
+            <a:pPr marL="0" marR="0" lvl="0" indent="0" algn="ctr" rtl="0">
+              <a:spcBef>
+                <a:spcPts val="0"/>
+              </a:spcBef>
+              <a:spcAft>
+                <a:spcPts val="0"/>
+              </a:spcAft>
+              <a:buNone/>
+            </a:pPr>
+            <a:r>
+              <a:rPr lang="en" b="1">
                 <a:solidFill>
-                  <a:srgbClr val="000000"/>
+                  <a:srgbClr val="D752A4"/>
                 </a:solidFill>
-                <a:effectLst/>
-                <a:latin typeface="ui-sans-serif"/>
-              </a:rPr>
-              <a:t>check box</a:t>
-            </a:r>
-          </a:p>
-          <a:p>
-            <a:endParaRPr lang="en-US" dirty="0">
+                <a:latin typeface="Reenie Beanie"/>
+                <a:ea typeface="Reenie Beanie"/>
+                <a:cs typeface="Reenie Beanie"/>
+                <a:sym typeface="Reenie Beanie"/>
+              </a:rPr>
+              <a:t>Headless UI</a:t>
+            </a:r>
+            <a:endParaRPr b="1">
               <a:solidFill>
-                <a:srgbClr val="000000"/>
+                <a:srgbClr val="D752A4"/>
               </a:solidFill>
-              <a:latin typeface="ui-sans-serif"/>
+              <a:latin typeface="Reenie Beanie"/>
+              <a:ea typeface="Reenie Beanie"/>
+              <a:cs typeface="Reenie Beanie"/>
+              <a:sym typeface="Reenie Beanie"/>
             </a:endParaRPr>
           </a:p>
-          <a:p>
-            <a:r>
-              <a:rPr lang="en-US">
+        </p:txBody>
+      </p:sp>
+      <p:sp>
+        <p:nvSpPr>
+          <p:cNvPr id="80" name="Google Shape;410;p27">
+            <a:extLst>
+              <a:ext uri="{FF2B5EF4-FFF2-40B4-BE49-F238E27FC236}">
+                <a16:creationId xmlns:a16="http://schemas.microsoft.com/office/drawing/2014/main" id="{9B5030F7-7417-9DA7-C24A-F2E1D4F71988}"/>
+              </a:ext>
+            </a:extLst>
+          </p:cNvPr>
+          <p:cNvSpPr txBox="1"/>
+          <p:nvPr/>
+        </p:nvSpPr>
+        <p:spPr>
+          <a:xfrm>
+            <a:off x="6138392" y="881919"/>
+            <a:ext cx="1959610" cy="561461"/>
+          </a:xfrm>
+          <a:prstGeom prst="rect">
+            <a:avLst/>
+          </a:prstGeom>
+          <a:noFill/>
+          <a:ln>
+            <a:noFill/>
+          </a:ln>
+        </p:spPr>
+        <p:txBody>
+          <a:bodyPr spcFirstLastPara="1" wrap="square" lIns="34300" tIns="17150" rIns="34300" bIns="17150" anchor="ctr" anchorCtr="0">
+            <a:noAutofit/>
+          </a:bodyPr>
+          <a:lstStyle/>
+          <a:p>
+            <a:pPr marL="0" marR="0" lvl="0" indent="0" algn="ctr" rtl="0">
+              <a:spcBef>
+                <a:spcPts val="0"/>
+              </a:spcBef>
+              <a:spcAft>
+                <a:spcPts val="0"/>
+              </a:spcAft>
+              <a:buNone/>
+            </a:pPr>
+            <a:r>
+              <a:rPr lang="en" sz="2000" b="1">
                 <a:solidFill>
-                  <a:srgbClr val="000000"/>
+                  <a:srgbClr val="31A9EA"/>
                 </a:solidFill>
-                <a:latin typeface="ui-sans-serif"/>
-              </a:rPr>
-              <a:t>Radix:  trong custom component, phải tạo id để không trùng</a:t>
-            </a:r>
-          </a:p>
-          <a:p>
-            <a:r>
-              <a:rPr lang="en-US">
+                <a:latin typeface="Reenie Beanie"/>
+                <a:ea typeface="Reenie Beanie"/>
+                <a:cs typeface="Reenie Beanie"/>
+                <a:sym typeface="Reenie Beanie"/>
+              </a:rPr>
+              <a:t>React Aria</a:t>
+            </a:r>
+            <a:endParaRPr sz="2000" b="1">
+              <a:solidFill>
+                <a:srgbClr val="31A9EA"/>
+              </a:solidFill>
+              <a:latin typeface="Reenie Beanie"/>
+              <a:ea typeface="Reenie Beanie"/>
+              <a:cs typeface="Reenie Beanie"/>
+              <a:sym typeface="Reenie Beanie"/>
+            </a:endParaRPr>
+          </a:p>
+        </p:txBody>
+      </p:sp>
+      <p:sp>
+        <p:nvSpPr>
+          <p:cNvPr id="81" name="Google Shape;411;p27">
+            <a:extLst>
+              <a:ext uri="{FF2B5EF4-FFF2-40B4-BE49-F238E27FC236}">
+                <a16:creationId xmlns:a16="http://schemas.microsoft.com/office/drawing/2014/main" id="{10B647F0-D974-0CD5-F497-E530AE1D5A83}"/>
+              </a:ext>
+            </a:extLst>
+          </p:cNvPr>
+          <p:cNvSpPr txBox="1"/>
+          <p:nvPr/>
+        </p:nvSpPr>
+        <p:spPr>
+          <a:xfrm>
+            <a:off x="8793498" y="941553"/>
+            <a:ext cx="2361935" cy="504825"/>
+          </a:xfrm>
+          <a:prstGeom prst="rect">
+            <a:avLst/>
+          </a:prstGeom>
+          <a:noFill/>
+          <a:ln>
+            <a:noFill/>
+          </a:ln>
+        </p:spPr>
+        <p:txBody>
+          <a:bodyPr spcFirstLastPara="1" wrap="square" lIns="34300" tIns="17150" rIns="34300" bIns="17150" anchor="ctr" anchorCtr="0">
+            <a:noAutofit/>
+          </a:bodyPr>
+          <a:lstStyle/>
+          <a:p>
+            <a:pPr marL="0" marR="0" lvl="0" indent="0" algn="ctr" rtl="0">
+              <a:spcBef>
+                <a:spcPts val="0"/>
+              </a:spcBef>
+              <a:spcAft>
+                <a:spcPts val="0"/>
+              </a:spcAft>
+              <a:buNone/>
+            </a:pPr>
+            <a:r>
+              <a:rPr lang="en" sz="2000" b="1">
                 <a:solidFill>
-                  <a:srgbClr val="000000"/>
+                  <a:srgbClr val="F9DC01"/>
                 </a:solidFill>
-                <a:latin typeface="ui-sans-serif"/>
-              </a:rPr>
-              <a:t>Headless: </a:t>
-            </a:r>
-            <a:r>
-              <a:rPr lang="vi-VN"/>
-              <a:t>ID được sinh ra tự động</a:t>
-            </a:r>
-            <a:r>
-              <a:rPr lang="en-US"/>
-              <a:t> khi sử dụng Field component để bao bọc một Label và Checkbox, chúng có thể tự động liên kết chúng với nhau.</a:t>
-            </a:r>
-          </a:p>
-          <a:p>
-            <a:endParaRPr lang="en-US" dirty="0"/>
+                <a:latin typeface="Reenie Beanie"/>
+                <a:ea typeface="Reenie Beanie"/>
+                <a:cs typeface="Reenie Beanie"/>
+                <a:sym typeface="Reenie Beanie"/>
+              </a:rPr>
+              <a:t>Radix </a:t>
+            </a:r>
+          </a:p>
+          <a:p>
+            <a:pPr marL="0" marR="0" lvl="0" indent="0" algn="ctr" rtl="0">
+              <a:spcBef>
+                <a:spcPts val="0"/>
+              </a:spcBef>
+              <a:spcAft>
+                <a:spcPts val="0"/>
+              </a:spcAft>
+              <a:buNone/>
+            </a:pPr>
+            <a:r>
+              <a:rPr lang="en" sz="2000" b="1">
+                <a:solidFill>
+                  <a:srgbClr val="F9DC01"/>
+                </a:solidFill>
+                <a:latin typeface="Reenie Beanie"/>
+                <a:ea typeface="Reenie Beanie"/>
+                <a:cs typeface="Reenie Beanie"/>
+                <a:sym typeface="Reenie Beanie"/>
+              </a:rPr>
+              <a:t>Primitives</a:t>
+            </a:r>
+            <a:endParaRPr sz="2000" b="1">
+              <a:solidFill>
+                <a:srgbClr val="F9DC01"/>
+              </a:solidFill>
+              <a:latin typeface="Reenie Beanie"/>
+              <a:ea typeface="Reenie Beanie"/>
+              <a:cs typeface="Reenie Beanie"/>
+              <a:sym typeface="Reenie Beanie"/>
+            </a:endParaRPr>
+          </a:p>
+        </p:txBody>
+      </p:sp>
+      <p:sp>
+        <p:nvSpPr>
+          <p:cNvPr id="101" name="Google Shape;389;p27">
+            <a:extLst>
+              <a:ext uri="{FF2B5EF4-FFF2-40B4-BE49-F238E27FC236}">
+                <a16:creationId xmlns:a16="http://schemas.microsoft.com/office/drawing/2014/main" id="{14081640-2116-631A-9655-A30961B99E85}"/>
+              </a:ext>
+            </a:extLst>
+          </p:cNvPr>
+          <p:cNvSpPr/>
+          <p:nvPr/>
+        </p:nvSpPr>
+        <p:spPr>
+          <a:xfrm>
+            <a:off x="561748" y="3187326"/>
+            <a:ext cx="2627315" cy="660635"/>
+          </a:xfrm>
+          <a:prstGeom prst="roundRect">
+            <a:avLst>
+              <a:gd name="adj" fmla="val 9314"/>
+            </a:avLst>
+          </a:prstGeom>
+          <a:noFill/>
+          <a:ln w="19050" cap="flat" cmpd="sng">
+            <a:solidFill>
+              <a:srgbClr val="FFFFFF"/>
+            </a:solidFill>
+            <a:prstDash val="solid"/>
+            <a:round/>
+            <a:headEnd type="none" w="sm" len="sm"/>
+            <a:tailEnd type="none" w="sm" len="sm"/>
+          </a:ln>
+        </p:spPr>
+        <p:txBody>
+          <a:bodyPr spcFirstLastPara="1" wrap="square" lIns="34300" tIns="17150" rIns="34300" bIns="17150" anchor="ctr" anchorCtr="0">
+            <a:noAutofit/>
+          </a:bodyPr>
+          <a:lstStyle/>
+          <a:p>
+            <a:pPr marL="0" lvl="0" indent="0" algn="l" rtl="0">
+              <a:spcBef>
+                <a:spcPts val="0"/>
+              </a:spcBef>
+              <a:spcAft>
+                <a:spcPts val="0"/>
+              </a:spcAft>
+              <a:buClr>
+                <a:srgbClr val="D752A4"/>
+              </a:buClr>
+              <a:buSzPts val="1100"/>
+              <a:buFont typeface="Arial"/>
+              <a:buNone/>
+            </a:pPr>
+            <a:r>
+              <a:rPr lang="en-US" sz="1400">
+                <a:solidFill>
+                  <a:srgbClr val="FFFFFF"/>
+                </a:solidFill>
+                <a:latin typeface="Lato Light"/>
+                <a:ea typeface="Lato Light"/>
+                <a:cs typeface="Lato Light"/>
+                <a:sym typeface="Lato Light"/>
+              </a:rPr>
+              <a:t>Số lượng component</a:t>
+            </a:r>
+            <a:endParaRPr lang="en-GB" sz="1400">
+              <a:solidFill>
+                <a:srgbClr val="FFFFFF"/>
+              </a:solidFill>
+              <a:latin typeface="Lato Light"/>
+              <a:ea typeface="Lato Light"/>
+              <a:cs typeface="Lato Light"/>
+              <a:sym typeface="Lato Light"/>
+            </a:endParaRPr>
+          </a:p>
+        </p:txBody>
+      </p:sp>
+      <p:sp>
+        <p:nvSpPr>
+          <p:cNvPr id="102" name="Google Shape;394;p27">
+            <a:extLst>
+              <a:ext uri="{FF2B5EF4-FFF2-40B4-BE49-F238E27FC236}">
+                <a16:creationId xmlns:a16="http://schemas.microsoft.com/office/drawing/2014/main" id="{0DBC83C2-FC4E-F291-3CE7-F33DE8B80B78}"/>
+              </a:ext>
+            </a:extLst>
+          </p:cNvPr>
+          <p:cNvSpPr/>
+          <p:nvPr/>
+        </p:nvSpPr>
+        <p:spPr>
+          <a:xfrm>
+            <a:off x="3571457" y="3187326"/>
+            <a:ext cx="2226927" cy="660635"/>
+          </a:xfrm>
+          <a:prstGeom prst="roundRect">
+            <a:avLst>
+              <a:gd name="adj" fmla="val 9314"/>
+            </a:avLst>
+          </a:prstGeom>
+          <a:noFill/>
+          <a:ln w="19050" cap="flat" cmpd="sng">
+            <a:solidFill>
+              <a:srgbClr val="D752A4"/>
+            </a:solidFill>
+            <a:prstDash val="solid"/>
+            <a:round/>
+            <a:headEnd type="none" w="sm" len="sm"/>
+            <a:tailEnd type="none" w="sm" len="sm"/>
+          </a:ln>
+        </p:spPr>
+        <p:txBody>
+          <a:bodyPr spcFirstLastPara="1" wrap="square" lIns="34300" tIns="17150" rIns="34300" bIns="17150" anchor="ctr" anchorCtr="0">
+            <a:noAutofit/>
+          </a:bodyPr>
+          <a:lstStyle/>
+          <a:p>
+            <a:pPr marL="0" marR="0" lvl="0" indent="0" algn="ctr" rtl="0">
+              <a:spcBef>
+                <a:spcPts val="0"/>
+              </a:spcBef>
+              <a:spcAft>
+                <a:spcPts val="0"/>
+              </a:spcAft>
+              <a:buNone/>
+            </a:pPr>
+            <a:endParaRPr sz="1400">
+              <a:solidFill>
+                <a:srgbClr val="31A9EA"/>
+              </a:solidFill>
+              <a:latin typeface="Lato Light"/>
+              <a:ea typeface="Lato Light"/>
+              <a:cs typeface="Lato Light"/>
+              <a:sym typeface="Lato Light"/>
+            </a:endParaRPr>
+          </a:p>
+        </p:txBody>
+      </p:sp>
+      <p:sp>
+        <p:nvSpPr>
+          <p:cNvPr id="103" name="Google Shape;399;p27">
+            <a:extLst>
+              <a:ext uri="{FF2B5EF4-FFF2-40B4-BE49-F238E27FC236}">
+                <a16:creationId xmlns:a16="http://schemas.microsoft.com/office/drawing/2014/main" id="{386451D2-D35C-CA44-6879-2BD5DBF28484}"/>
+              </a:ext>
+            </a:extLst>
+          </p:cNvPr>
+          <p:cNvSpPr/>
+          <p:nvPr/>
+        </p:nvSpPr>
+        <p:spPr>
+          <a:xfrm>
+            <a:off x="6172536" y="3187326"/>
+            <a:ext cx="2226927" cy="660635"/>
+          </a:xfrm>
+          <a:prstGeom prst="roundRect">
+            <a:avLst>
+              <a:gd name="adj" fmla="val 9314"/>
+            </a:avLst>
+          </a:prstGeom>
+          <a:noFill/>
+          <a:ln w="9525" cap="flat" cmpd="sng">
+            <a:solidFill>
+              <a:srgbClr val="31A9EA"/>
+            </a:solidFill>
+            <a:prstDash val="solid"/>
+            <a:round/>
+            <a:headEnd type="none" w="sm" len="sm"/>
+            <a:tailEnd type="none" w="sm" len="sm"/>
+          </a:ln>
+        </p:spPr>
+        <p:txBody>
+          <a:bodyPr spcFirstLastPara="1" wrap="square" lIns="34300" tIns="17150" rIns="34300" bIns="17150" anchor="ctr" anchorCtr="0">
+            <a:noAutofit/>
+          </a:bodyPr>
+          <a:lstStyle/>
+          <a:p>
+            <a:pPr marL="0" marR="0" lvl="0" indent="0" algn="ctr" rtl="0">
+              <a:spcBef>
+                <a:spcPts val="0"/>
+              </a:spcBef>
+              <a:spcAft>
+                <a:spcPts val="0"/>
+              </a:spcAft>
+              <a:buNone/>
+            </a:pPr>
+            <a:endParaRPr sz="1400">
+              <a:solidFill>
+                <a:srgbClr val="31A9EA"/>
+              </a:solidFill>
+              <a:latin typeface="Lato Light"/>
+              <a:ea typeface="Lato Light"/>
+              <a:cs typeface="Lato Light"/>
+              <a:sym typeface="Lato Light"/>
+            </a:endParaRPr>
+          </a:p>
+        </p:txBody>
+      </p:sp>
+      <p:sp>
+        <p:nvSpPr>
+          <p:cNvPr id="104" name="Google Shape;404;p27">
+            <a:extLst>
+              <a:ext uri="{FF2B5EF4-FFF2-40B4-BE49-F238E27FC236}">
+                <a16:creationId xmlns:a16="http://schemas.microsoft.com/office/drawing/2014/main" id="{CB9C8B76-AD98-9464-CE32-5233FD543207}"/>
+              </a:ext>
+            </a:extLst>
+          </p:cNvPr>
+          <p:cNvSpPr/>
+          <p:nvPr/>
+        </p:nvSpPr>
+        <p:spPr>
+          <a:xfrm>
+            <a:off x="8793498" y="3187327"/>
+            <a:ext cx="2226927" cy="660635"/>
+          </a:xfrm>
+          <a:prstGeom prst="roundRect">
+            <a:avLst>
+              <a:gd name="adj" fmla="val 9314"/>
+            </a:avLst>
+          </a:prstGeom>
+          <a:noFill/>
+          <a:ln w="19050" cap="flat" cmpd="sng">
+            <a:solidFill>
+              <a:srgbClr val="F9DC01"/>
+            </a:solidFill>
+            <a:prstDash val="solid"/>
+            <a:round/>
+            <a:headEnd type="none" w="sm" len="sm"/>
+            <a:tailEnd type="none" w="sm" len="sm"/>
+          </a:ln>
+        </p:spPr>
+        <p:txBody>
+          <a:bodyPr spcFirstLastPara="1" wrap="square" lIns="34300" tIns="17150" rIns="34300" bIns="17150" anchor="ctr" anchorCtr="0">
+            <a:noAutofit/>
+          </a:bodyPr>
+          <a:lstStyle/>
+          <a:p>
+            <a:pPr marL="0" marR="0" lvl="0" indent="0" algn="ctr" rtl="0">
+              <a:spcBef>
+                <a:spcPts val="0"/>
+              </a:spcBef>
+              <a:spcAft>
+                <a:spcPts val="0"/>
+              </a:spcAft>
+              <a:buNone/>
+            </a:pPr>
+            <a:endParaRPr sz="1400">
+              <a:solidFill>
+                <a:srgbClr val="31A9EA"/>
+              </a:solidFill>
+              <a:latin typeface="Lato Light"/>
+              <a:ea typeface="Lato Light"/>
+              <a:cs typeface="Lato Light"/>
+              <a:sym typeface="Lato Light"/>
+            </a:endParaRPr>
+          </a:p>
+        </p:txBody>
+      </p:sp>
+      <p:sp>
+        <p:nvSpPr>
+          <p:cNvPr id="105" name="Google Shape;417;p27">
+            <a:extLst>
+              <a:ext uri="{FF2B5EF4-FFF2-40B4-BE49-F238E27FC236}">
+                <a16:creationId xmlns:a16="http://schemas.microsoft.com/office/drawing/2014/main" id="{5E2061F8-7C24-AEA2-763B-82A34AF09DD6}"/>
+              </a:ext>
+            </a:extLst>
+          </p:cNvPr>
+          <p:cNvSpPr/>
+          <p:nvPr/>
+        </p:nvSpPr>
+        <p:spPr>
+          <a:xfrm>
+            <a:off x="7182419" y="3366012"/>
+            <a:ext cx="347484" cy="303262"/>
+          </a:xfrm>
+          <a:custGeom>
+            <a:avLst/>
+            <a:gdLst/>
+            <a:ahLst/>
+            <a:cxnLst/>
+            <a:rect l="l" t="t" r="r" b="b"/>
+            <a:pathLst>
+              <a:path w="5250" h="4113" extrusionOk="0">
+                <a:moveTo>
+                  <a:pt x="1845" y="4112"/>
+                </a:moveTo>
+                <a:lnTo>
+                  <a:pt x="205" y="2473"/>
+                </a:lnTo>
+                <a:lnTo>
+                  <a:pt x="205" y="2473"/>
+                </a:lnTo>
+                <a:cubicBezTo>
+                  <a:pt x="0" y="2267"/>
+                  <a:pt x="0" y="1935"/>
+                  <a:pt x="205" y="1730"/>
+                </a:cubicBezTo>
+                <a:lnTo>
+                  <a:pt x="205" y="1730"/>
+                </a:lnTo>
+                <a:cubicBezTo>
+                  <a:pt x="410" y="1524"/>
+                  <a:pt x="743" y="1524"/>
+                  <a:pt x="948" y="1730"/>
+                </a:cubicBezTo>
+                <a:lnTo>
+                  <a:pt x="1849" y="2630"/>
+                </a:lnTo>
+                <a:lnTo>
+                  <a:pt x="4302" y="205"/>
+                </a:lnTo>
+                <a:lnTo>
+                  <a:pt x="4302" y="205"/>
+                </a:lnTo>
+                <a:cubicBezTo>
+                  <a:pt x="4508" y="0"/>
+                  <a:pt x="4841" y="2"/>
+                  <a:pt x="5045" y="209"/>
+                </a:cubicBezTo>
+                <a:lnTo>
+                  <a:pt x="5045" y="209"/>
+                </a:lnTo>
+                <a:cubicBezTo>
+                  <a:pt x="5249" y="415"/>
+                  <a:pt x="5247" y="748"/>
+                  <a:pt x="5041" y="952"/>
+                </a:cubicBezTo>
+                <a:lnTo>
+                  <a:pt x="1845" y="4112"/>
+                </a:lnTo>
+              </a:path>
+            </a:pathLst>
+          </a:custGeom>
+          <a:solidFill>
+            <a:srgbClr val="31A9EA"/>
+          </a:solidFill>
+          <a:ln>
+            <a:noFill/>
+          </a:ln>
+        </p:spPr>
+        <p:txBody>
+          <a:bodyPr spcFirstLastPara="1" wrap="square" lIns="34300" tIns="17150" rIns="34300" bIns="17150" anchor="ctr" anchorCtr="0">
+            <a:noAutofit/>
+          </a:bodyPr>
+          <a:lstStyle/>
+          <a:p>
+            <a:pPr marL="0" marR="0" lvl="0" indent="0" algn="l" rtl="0">
+              <a:spcBef>
+                <a:spcPts val="0"/>
+              </a:spcBef>
+              <a:spcAft>
+                <a:spcPts val="0"/>
+              </a:spcAft>
+              <a:buNone/>
+            </a:pPr>
+            <a:endParaRPr sz="1400">
+              <a:solidFill>
+                <a:srgbClr val="D752A4"/>
+              </a:solidFill>
+              <a:latin typeface="Lato Light"/>
+              <a:ea typeface="Lato Light"/>
+              <a:cs typeface="Lato Light"/>
+              <a:sym typeface="Lato Light"/>
+            </a:endParaRPr>
+          </a:p>
+        </p:txBody>
+      </p:sp>
+      <p:sp>
+        <p:nvSpPr>
+          <p:cNvPr id="107" name="Google Shape;389;p27">
+            <a:extLst>
+              <a:ext uri="{FF2B5EF4-FFF2-40B4-BE49-F238E27FC236}">
+                <a16:creationId xmlns:a16="http://schemas.microsoft.com/office/drawing/2014/main" id="{0483AE96-1F40-2A36-A7DA-5D4DD9C4B4DA}"/>
+              </a:ext>
+            </a:extLst>
+          </p:cNvPr>
+          <p:cNvSpPr/>
+          <p:nvPr/>
+        </p:nvSpPr>
+        <p:spPr>
+          <a:xfrm>
+            <a:off x="561748" y="4240770"/>
+            <a:ext cx="2627315" cy="660635"/>
+          </a:xfrm>
+          <a:prstGeom prst="roundRect">
+            <a:avLst>
+              <a:gd name="adj" fmla="val 9314"/>
+            </a:avLst>
+          </a:prstGeom>
+          <a:noFill/>
+          <a:ln w="19050" cap="flat" cmpd="sng">
+            <a:solidFill>
+              <a:srgbClr val="FFFFFF"/>
+            </a:solidFill>
+            <a:prstDash val="solid"/>
+            <a:round/>
+            <a:headEnd type="none" w="sm" len="sm"/>
+            <a:tailEnd type="none" w="sm" len="sm"/>
+          </a:ln>
+        </p:spPr>
+        <p:txBody>
+          <a:bodyPr spcFirstLastPara="1" wrap="square" lIns="34300" tIns="17150" rIns="34300" bIns="17150" anchor="ctr" anchorCtr="0">
+            <a:noAutofit/>
+          </a:bodyPr>
+          <a:lstStyle/>
+          <a:p>
+            <a:pPr marL="0" lvl="0" indent="0" algn="l" rtl="0">
+              <a:spcBef>
+                <a:spcPts val="0"/>
+              </a:spcBef>
+              <a:spcAft>
+                <a:spcPts val="0"/>
+              </a:spcAft>
+              <a:buClr>
+                <a:srgbClr val="D752A4"/>
+              </a:buClr>
+              <a:buSzPts val="1100"/>
+              <a:buFont typeface="Arial"/>
+              <a:buNone/>
+            </a:pPr>
+            <a:r>
+              <a:rPr lang="en-US" sz="1400">
+                <a:solidFill>
+                  <a:srgbClr val="FFFFFF"/>
+                </a:solidFill>
+                <a:latin typeface="Lato Light"/>
+                <a:ea typeface="Lato Light"/>
+                <a:cs typeface="Lato Light"/>
+                <a:sym typeface="Lato Light"/>
+              </a:rPr>
+              <a:t>Size</a:t>
+            </a:r>
+            <a:endParaRPr lang="en-GB" sz="1400">
+              <a:solidFill>
+                <a:srgbClr val="FFFFFF"/>
+              </a:solidFill>
+              <a:latin typeface="Lato Light"/>
+              <a:ea typeface="Lato Light"/>
+              <a:cs typeface="Lato Light"/>
+              <a:sym typeface="Lato Light"/>
+            </a:endParaRPr>
+          </a:p>
+        </p:txBody>
+      </p:sp>
+      <p:sp>
+        <p:nvSpPr>
+          <p:cNvPr id="108" name="Google Shape;394;p27">
+            <a:extLst>
+              <a:ext uri="{FF2B5EF4-FFF2-40B4-BE49-F238E27FC236}">
+                <a16:creationId xmlns:a16="http://schemas.microsoft.com/office/drawing/2014/main" id="{D72C5D27-86FD-BB3A-4B4E-554C7F6B4C78}"/>
+              </a:ext>
+            </a:extLst>
+          </p:cNvPr>
+          <p:cNvSpPr/>
+          <p:nvPr/>
+        </p:nvSpPr>
+        <p:spPr>
+          <a:xfrm>
+            <a:off x="3571457" y="4240770"/>
+            <a:ext cx="2226927" cy="660635"/>
+          </a:xfrm>
+          <a:prstGeom prst="roundRect">
+            <a:avLst>
+              <a:gd name="adj" fmla="val 9314"/>
+            </a:avLst>
+          </a:prstGeom>
+          <a:noFill/>
+          <a:ln w="19050" cap="flat" cmpd="sng">
+            <a:solidFill>
+              <a:srgbClr val="D752A4"/>
+            </a:solidFill>
+            <a:prstDash val="solid"/>
+            <a:round/>
+            <a:headEnd type="none" w="sm" len="sm"/>
+            <a:tailEnd type="none" w="sm" len="sm"/>
+          </a:ln>
+        </p:spPr>
+        <p:txBody>
+          <a:bodyPr spcFirstLastPara="1" wrap="square" lIns="34300" tIns="17150" rIns="34300" bIns="17150" anchor="ctr" anchorCtr="0">
+            <a:noAutofit/>
+          </a:bodyPr>
+          <a:lstStyle/>
+          <a:p>
+            <a:pPr marL="0" marR="0" lvl="0" indent="0" algn="ctr" rtl="0">
+              <a:spcBef>
+                <a:spcPts val="0"/>
+              </a:spcBef>
+              <a:spcAft>
+                <a:spcPts val="0"/>
+              </a:spcAft>
+              <a:buNone/>
+            </a:pPr>
+            <a:endParaRPr sz="1400">
+              <a:solidFill>
+                <a:srgbClr val="31A9EA"/>
+              </a:solidFill>
+              <a:latin typeface="Lato Light"/>
+              <a:ea typeface="Lato Light"/>
+              <a:cs typeface="Lato Light"/>
+              <a:sym typeface="Lato Light"/>
+            </a:endParaRPr>
+          </a:p>
+        </p:txBody>
+      </p:sp>
+      <p:sp>
+        <p:nvSpPr>
+          <p:cNvPr id="109" name="Google Shape;399;p27">
+            <a:extLst>
+              <a:ext uri="{FF2B5EF4-FFF2-40B4-BE49-F238E27FC236}">
+                <a16:creationId xmlns:a16="http://schemas.microsoft.com/office/drawing/2014/main" id="{6861D284-7798-458D-F892-BBAF9386511C}"/>
+              </a:ext>
+            </a:extLst>
+          </p:cNvPr>
+          <p:cNvSpPr/>
+          <p:nvPr/>
+        </p:nvSpPr>
+        <p:spPr>
+          <a:xfrm>
+            <a:off x="6172536" y="4240770"/>
+            <a:ext cx="2226927" cy="660635"/>
+          </a:xfrm>
+          <a:prstGeom prst="roundRect">
+            <a:avLst>
+              <a:gd name="adj" fmla="val 9314"/>
+            </a:avLst>
+          </a:prstGeom>
+          <a:noFill/>
+          <a:ln w="9525" cap="flat" cmpd="sng">
+            <a:solidFill>
+              <a:srgbClr val="31A9EA"/>
+            </a:solidFill>
+            <a:prstDash val="solid"/>
+            <a:round/>
+            <a:headEnd type="none" w="sm" len="sm"/>
+            <a:tailEnd type="none" w="sm" len="sm"/>
+          </a:ln>
+        </p:spPr>
+        <p:txBody>
+          <a:bodyPr spcFirstLastPara="1" wrap="square" lIns="34300" tIns="17150" rIns="34300" bIns="17150" anchor="ctr" anchorCtr="0">
+            <a:noAutofit/>
+          </a:bodyPr>
+          <a:lstStyle/>
+          <a:p>
+            <a:pPr marL="0" marR="0" lvl="0" indent="0" algn="ctr" rtl="0">
+              <a:spcBef>
+                <a:spcPts val="0"/>
+              </a:spcBef>
+              <a:spcAft>
+                <a:spcPts val="0"/>
+              </a:spcAft>
+              <a:buNone/>
+            </a:pPr>
+            <a:endParaRPr sz="1400">
+              <a:solidFill>
+                <a:srgbClr val="31A9EA"/>
+              </a:solidFill>
+              <a:latin typeface="Lato Light"/>
+              <a:ea typeface="Lato Light"/>
+              <a:cs typeface="Lato Light"/>
+              <a:sym typeface="Lato Light"/>
+            </a:endParaRPr>
+          </a:p>
+        </p:txBody>
+      </p:sp>
+      <p:sp>
+        <p:nvSpPr>
+          <p:cNvPr id="110" name="Google Shape;404;p27">
+            <a:extLst>
+              <a:ext uri="{FF2B5EF4-FFF2-40B4-BE49-F238E27FC236}">
+                <a16:creationId xmlns:a16="http://schemas.microsoft.com/office/drawing/2014/main" id="{3184DEFA-4FEC-29F9-8C2F-74B029B9268F}"/>
+              </a:ext>
+            </a:extLst>
+          </p:cNvPr>
+          <p:cNvSpPr/>
+          <p:nvPr/>
+        </p:nvSpPr>
+        <p:spPr>
+          <a:xfrm>
+            <a:off x="8793498" y="4240771"/>
+            <a:ext cx="2226927" cy="660635"/>
+          </a:xfrm>
+          <a:prstGeom prst="roundRect">
+            <a:avLst>
+              <a:gd name="adj" fmla="val 9314"/>
+            </a:avLst>
+          </a:prstGeom>
+          <a:noFill/>
+          <a:ln w="19050" cap="flat" cmpd="sng">
+            <a:solidFill>
+              <a:srgbClr val="F9DC01"/>
+            </a:solidFill>
+            <a:prstDash val="solid"/>
+            <a:round/>
+            <a:headEnd type="none" w="sm" len="sm"/>
+            <a:tailEnd type="none" w="sm" len="sm"/>
+          </a:ln>
+        </p:spPr>
+        <p:txBody>
+          <a:bodyPr spcFirstLastPara="1" wrap="square" lIns="34300" tIns="17150" rIns="34300" bIns="17150" anchor="ctr" anchorCtr="0">
+            <a:noAutofit/>
+          </a:bodyPr>
+          <a:lstStyle/>
+          <a:p>
+            <a:pPr marL="0" marR="0" lvl="0" indent="0" algn="ctr" rtl="0">
+              <a:spcBef>
+                <a:spcPts val="0"/>
+              </a:spcBef>
+              <a:spcAft>
+                <a:spcPts val="0"/>
+              </a:spcAft>
+              <a:buNone/>
+            </a:pPr>
+            <a:endParaRPr sz="1400">
+              <a:solidFill>
+                <a:srgbClr val="31A9EA"/>
+              </a:solidFill>
+              <a:latin typeface="Lato Light"/>
+              <a:ea typeface="Lato Light"/>
+              <a:cs typeface="Lato Light"/>
+              <a:sym typeface="Lato Light"/>
+            </a:endParaRPr>
+          </a:p>
+        </p:txBody>
+      </p:sp>
+      <p:sp>
+        <p:nvSpPr>
+          <p:cNvPr id="112" name="Google Shape;426;p27">
+            <a:extLst>
+              <a:ext uri="{FF2B5EF4-FFF2-40B4-BE49-F238E27FC236}">
+                <a16:creationId xmlns:a16="http://schemas.microsoft.com/office/drawing/2014/main" id="{D839F879-985D-B1F3-DA2D-9711D377B75C}"/>
+              </a:ext>
+            </a:extLst>
+          </p:cNvPr>
+          <p:cNvSpPr/>
+          <p:nvPr/>
+        </p:nvSpPr>
+        <p:spPr>
+          <a:xfrm>
+            <a:off x="9785273" y="4419456"/>
+            <a:ext cx="347484" cy="303262"/>
+          </a:xfrm>
+          <a:custGeom>
+            <a:avLst/>
+            <a:gdLst/>
+            <a:ahLst/>
+            <a:cxnLst/>
+            <a:rect l="l" t="t" r="r" b="b"/>
+            <a:pathLst>
+              <a:path w="5250" h="4113" extrusionOk="0">
+                <a:moveTo>
+                  <a:pt x="1845" y="4112"/>
+                </a:moveTo>
+                <a:lnTo>
+                  <a:pt x="205" y="2473"/>
+                </a:lnTo>
+                <a:lnTo>
+                  <a:pt x="205" y="2473"/>
+                </a:lnTo>
+                <a:cubicBezTo>
+                  <a:pt x="0" y="2267"/>
+                  <a:pt x="0" y="1935"/>
+                  <a:pt x="205" y="1730"/>
+                </a:cubicBezTo>
+                <a:lnTo>
+                  <a:pt x="205" y="1730"/>
+                </a:lnTo>
+                <a:cubicBezTo>
+                  <a:pt x="410" y="1524"/>
+                  <a:pt x="743" y="1524"/>
+                  <a:pt x="948" y="1730"/>
+                </a:cubicBezTo>
+                <a:lnTo>
+                  <a:pt x="1849" y="2630"/>
+                </a:lnTo>
+                <a:lnTo>
+                  <a:pt x="4302" y="205"/>
+                </a:lnTo>
+                <a:lnTo>
+                  <a:pt x="4302" y="205"/>
+                </a:lnTo>
+                <a:cubicBezTo>
+                  <a:pt x="4508" y="0"/>
+                  <a:pt x="4841" y="2"/>
+                  <a:pt x="5045" y="209"/>
+                </a:cubicBezTo>
+                <a:lnTo>
+                  <a:pt x="5045" y="209"/>
+                </a:lnTo>
+                <a:cubicBezTo>
+                  <a:pt x="5249" y="415"/>
+                  <a:pt x="5247" y="748"/>
+                  <a:pt x="5041" y="952"/>
+                </a:cubicBezTo>
+                <a:lnTo>
+                  <a:pt x="1845" y="4112"/>
+                </a:lnTo>
+              </a:path>
+            </a:pathLst>
+          </a:custGeom>
+          <a:solidFill>
+            <a:srgbClr val="F9DC01"/>
+          </a:solidFill>
+          <a:ln>
+            <a:noFill/>
+          </a:ln>
+        </p:spPr>
+        <p:txBody>
+          <a:bodyPr spcFirstLastPara="1" wrap="square" lIns="34300" tIns="17150" rIns="34300" bIns="17150" anchor="ctr" anchorCtr="0">
+            <a:noAutofit/>
+          </a:bodyPr>
+          <a:lstStyle/>
+          <a:p>
+            <a:pPr marL="0" marR="0" lvl="0" indent="0" algn="l" rtl="0">
+              <a:spcBef>
+                <a:spcPts val="0"/>
+              </a:spcBef>
+              <a:spcAft>
+                <a:spcPts val="0"/>
+              </a:spcAft>
+              <a:buNone/>
+            </a:pPr>
+            <a:endParaRPr sz="1400">
+              <a:solidFill>
+                <a:srgbClr val="D752A4"/>
+              </a:solidFill>
+              <a:latin typeface="Lato Light"/>
+              <a:ea typeface="Lato Light"/>
+              <a:cs typeface="Lato Light"/>
+              <a:sym typeface="Lato Light"/>
+            </a:endParaRPr>
+          </a:p>
+        </p:txBody>
+      </p:sp>
+      <p:sp>
+        <p:nvSpPr>
+          <p:cNvPr id="113" name="Google Shape;412;p27">
+            <a:extLst>
+              <a:ext uri="{FF2B5EF4-FFF2-40B4-BE49-F238E27FC236}">
+                <a16:creationId xmlns:a16="http://schemas.microsoft.com/office/drawing/2014/main" id="{3F77AB5F-9756-B2B0-0510-D6A66A43D38E}"/>
+              </a:ext>
+            </a:extLst>
+          </p:cNvPr>
+          <p:cNvSpPr/>
+          <p:nvPr/>
+        </p:nvSpPr>
+        <p:spPr>
+          <a:xfrm>
+            <a:off x="4516687" y="2280559"/>
+            <a:ext cx="347484" cy="303262"/>
+          </a:xfrm>
+          <a:custGeom>
+            <a:avLst/>
+            <a:gdLst/>
+            <a:ahLst/>
+            <a:cxnLst/>
+            <a:rect l="l" t="t" r="r" b="b"/>
+            <a:pathLst>
+              <a:path w="5250" h="4113" extrusionOk="0">
+                <a:moveTo>
+                  <a:pt x="1845" y="4112"/>
+                </a:moveTo>
+                <a:lnTo>
+                  <a:pt x="205" y="2473"/>
+                </a:lnTo>
+                <a:lnTo>
+                  <a:pt x="205" y="2473"/>
+                </a:lnTo>
+                <a:cubicBezTo>
+                  <a:pt x="0" y="2267"/>
+                  <a:pt x="0" y="1935"/>
+                  <a:pt x="205" y="1730"/>
+                </a:cubicBezTo>
+                <a:lnTo>
+                  <a:pt x="205" y="1730"/>
+                </a:lnTo>
+                <a:cubicBezTo>
+                  <a:pt x="410" y="1524"/>
+                  <a:pt x="743" y="1524"/>
+                  <a:pt x="948" y="1730"/>
+                </a:cubicBezTo>
+                <a:lnTo>
+                  <a:pt x="1849" y="2630"/>
+                </a:lnTo>
+                <a:lnTo>
+                  <a:pt x="4302" y="205"/>
+                </a:lnTo>
+                <a:lnTo>
+                  <a:pt x="4302" y="205"/>
+                </a:lnTo>
+                <a:cubicBezTo>
+                  <a:pt x="4508" y="0"/>
+                  <a:pt x="4841" y="2"/>
+                  <a:pt x="5045" y="209"/>
+                </a:cubicBezTo>
+                <a:lnTo>
+                  <a:pt x="5045" y="209"/>
+                </a:lnTo>
+                <a:cubicBezTo>
+                  <a:pt x="5249" y="415"/>
+                  <a:pt x="5247" y="748"/>
+                  <a:pt x="5041" y="952"/>
+                </a:cubicBezTo>
+                <a:lnTo>
+                  <a:pt x="1845" y="4112"/>
+                </a:lnTo>
+              </a:path>
+            </a:pathLst>
+          </a:custGeom>
+          <a:solidFill>
+            <a:srgbClr val="D752A4"/>
+          </a:solidFill>
+          <a:ln>
+            <a:noFill/>
+          </a:ln>
+        </p:spPr>
+        <p:txBody>
+          <a:bodyPr spcFirstLastPara="1" wrap="square" lIns="34300" tIns="17150" rIns="34300" bIns="17150" anchor="ctr" anchorCtr="0">
+            <a:noAutofit/>
+          </a:bodyPr>
+          <a:lstStyle/>
+          <a:p>
+            <a:pPr marL="0" marR="0" lvl="0" indent="0" algn="l" rtl="0">
+              <a:spcBef>
+                <a:spcPts val="0"/>
+              </a:spcBef>
+              <a:spcAft>
+                <a:spcPts val="0"/>
+              </a:spcAft>
+              <a:buNone/>
+            </a:pPr>
+            <a:endParaRPr sz="1400">
+              <a:solidFill>
+                <a:srgbClr val="D752A4"/>
+              </a:solidFill>
+              <a:latin typeface="Lato Light"/>
+              <a:ea typeface="Lato Light"/>
+              <a:cs typeface="Lato Light"/>
+              <a:sym typeface="Lato Light"/>
+            </a:endParaRPr>
           </a:p>
         </p:txBody>
       </p:sp>
     </p:spTree>
     <p:extLst>
       <p:ext uri="{BB962C8B-B14F-4D97-AF65-F5344CB8AC3E}">
-        <p14:creationId xmlns:p14="http://schemas.microsoft.com/office/powerpoint/2010/main" val="2146580627"/>
+        <p14:creationId xmlns:p14="http://schemas.microsoft.com/office/powerpoint/2010/main" val="3875246323"/>
       </p:ext>
     </p:extLst>
   </p:cSld>

--- a/unstyled component.pptx
+++ b/unstyled component.pptx
@@ -5,7 +5,7 @@
     <p:sldMasterId id="2147483914" r:id="rId1"/>
   </p:sldMasterIdLst>
   <p:notesMasterIdLst>
-    <p:notesMasterId r:id="rId12"/>
+    <p:notesMasterId r:id="rId15"/>
   </p:notesMasterIdLst>
   <p:sldIdLst>
     <p:sldId id="258" r:id="rId2"/>
@@ -17,7 +17,10 @@
     <p:sldId id="267" r:id="rId8"/>
     <p:sldId id="257" r:id="rId9"/>
     <p:sldId id="268" r:id="rId10"/>
-    <p:sldId id="259" r:id="rId11"/>
+    <p:sldId id="271" r:id="rId11"/>
+    <p:sldId id="272" r:id="rId12"/>
+    <p:sldId id="273" r:id="rId13"/>
+    <p:sldId id="274" r:id="rId14"/>
   </p:sldIdLst>
   <p:sldSz cx="12192000" cy="6858000"/>
   <p:notesSz cx="6858000" cy="9144000"/>
@@ -218,7 +221,7 @@
           <a:p>
             <a:fld id="{B8D362C2-835E-40F6-8708-37F7D70D6C19}" type="datetimeFigureOut">
               <a:rPr lang="en-GB" smtClean="0"/>
-              <a:t>27/06/2024</a:t>
+              <a:t>28/06/2024</a:t>
             </a:fld>
             <a:endParaRPr lang="en-GB"/>
           </a:p>
@@ -642,6 +645,174 @@
 </p:notes>
 </file>
 
+<file path=ppt/notesSlides/notesSlide10.xml><?xml version="1.0" encoding="utf-8"?>
+<p:notes xmlns:a="http://schemas.openxmlformats.org/drawingml/2006/main" xmlns:r="http://schemas.openxmlformats.org/officeDocument/2006/relationships" xmlns:p="http://schemas.openxmlformats.org/presentationml/2006/main">
+  <p:cSld>
+    <p:spTree>
+      <p:nvGrpSpPr>
+        <p:cNvPr id="1" name=""/>
+        <p:cNvGrpSpPr/>
+        <p:nvPr/>
+      </p:nvGrpSpPr>
+      <p:grpSpPr>
+        <a:xfrm>
+          <a:off x="0" y="0"/>
+          <a:ext cx="0" cy="0"/>
+          <a:chOff x="0" y="0"/>
+          <a:chExt cx="0" cy="0"/>
+        </a:xfrm>
+      </p:grpSpPr>
+      <p:sp>
+        <p:nvSpPr>
+          <p:cNvPr id="2" name="Slide Image Placeholder 1"/>
+          <p:cNvSpPr>
+            <a:spLocks noGrp="1" noRot="1" noChangeAspect="1"/>
+          </p:cNvSpPr>
+          <p:nvPr>
+            <p:ph type="sldImg"/>
+          </p:nvPr>
+        </p:nvSpPr>
+        <p:spPr/>
+      </p:sp>
+      <p:sp>
+        <p:nvSpPr>
+          <p:cNvPr id="3" name="Notes Placeholder 2"/>
+          <p:cNvSpPr>
+            <a:spLocks noGrp="1"/>
+          </p:cNvSpPr>
+          <p:nvPr>
+            <p:ph type="body" idx="1"/>
+          </p:nvPr>
+        </p:nvSpPr>
+        <p:spPr/>
+        <p:txBody>
+          <a:bodyPr/>
+          <a:lstStyle/>
+          <a:p>
+            <a:endParaRPr lang="en-GB" dirty="0"/>
+          </a:p>
+        </p:txBody>
+      </p:sp>
+      <p:sp>
+        <p:nvSpPr>
+          <p:cNvPr id="4" name="Slide Number Placeholder 3"/>
+          <p:cNvSpPr>
+            <a:spLocks noGrp="1"/>
+          </p:cNvSpPr>
+          <p:nvPr>
+            <p:ph type="sldNum" sz="quarter" idx="5"/>
+          </p:nvPr>
+        </p:nvSpPr>
+        <p:spPr/>
+        <p:txBody>
+          <a:bodyPr/>
+          <a:lstStyle/>
+          <a:p>
+            <a:fld id="{C8B69A57-660F-494F-A138-1BA3C7CF23A8}" type="slidenum">
+              <a:rPr lang="en-GB" smtClean="0"/>
+              <a:t>12</a:t>
+            </a:fld>
+            <a:endParaRPr lang="en-GB"/>
+          </a:p>
+        </p:txBody>
+      </p:sp>
+    </p:spTree>
+    <p:extLst>
+      <p:ext uri="{BB962C8B-B14F-4D97-AF65-F5344CB8AC3E}">
+        <p14:creationId xmlns:p14="http://schemas.microsoft.com/office/powerpoint/2010/main" val="308400028"/>
+      </p:ext>
+    </p:extLst>
+  </p:cSld>
+  <p:clrMapOvr>
+    <a:masterClrMapping/>
+  </p:clrMapOvr>
+</p:notes>
+</file>
+
+<file path=ppt/notesSlides/notesSlide11.xml><?xml version="1.0" encoding="utf-8"?>
+<p:notes xmlns:a="http://schemas.openxmlformats.org/drawingml/2006/main" xmlns:r="http://schemas.openxmlformats.org/officeDocument/2006/relationships" xmlns:p="http://schemas.openxmlformats.org/presentationml/2006/main">
+  <p:cSld>
+    <p:spTree>
+      <p:nvGrpSpPr>
+        <p:cNvPr id="1" name=""/>
+        <p:cNvGrpSpPr/>
+        <p:nvPr/>
+      </p:nvGrpSpPr>
+      <p:grpSpPr>
+        <a:xfrm>
+          <a:off x="0" y="0"/>
+          <a:ext cx="0" cy="0"/>
+          <a:chOff x="0" y="0"/>
+          <a:chExt cx="0" cy="0"/>
+        </a:xfrm>
+      </p:grpSpPr>
+      <p:sp>
+        <p:nvSpPr>
+          <p:cNvPr id="2" name="Slide Image Placeholder 1"/>
+          <p:cNvSpPr>
+            <a:spLocks noGrp="1" noRot="1" noChangeAspect="1"/>
+          </p:cNvSpPr>
+          <p:nvPr>
+            <p:ph type="sldImg"/>
+          </p:nvPr>
+        </p:nvSpPr>
+        <p:spPr/>
+      </p:sp>
+      <p:sp>
+        <p:nvSpPr>
+          <p:cNvPr id="3" name="Notes Placeholder 2"/>
+          <p:cNvSpPr>
+            <a:spLocks noGrp="1"/>
+          </p:cNvSpPr>
+          <p:nvPr>
+            <p:ph type="body" idx="1"/>
+          </p:nvPr>
+        </p:nvSpPr>
+        <p:spPr/>
+        <p:txBody>
+          <a:bodyPr/>
+          <a:lstStyle/>
+          <a:p>
+            <a:endParaRPr lang="en-GB" dirty="0"/>
+          </a:p>
+        </p:txBody>
+      </p:sp>
+      <p:sp>
+        <p:nvSpPr>
+          <p:cNvPr id="4" name="Slide Number Placeholder 3"/>
+          <p:cNvSpPr>
+            <a:spLocks noGrp="1"/>
+          </p:cNvSpPr>
+          <p:nvPr>
+            <p:ph type="sldNum" sz="quarter" idx="5"/>
+          </p:nvPr>
+        </p:nvSpPr>
+        <p:spPr/>
+        <p:txBody>
+          <a:bodyPr/>
+          <a:lstStyle/>
+          <a:p>
+            <a:fld id="{C8B69A57-660F-494F-A138-1BA3C7CF23A8}" type="slidenum">
+              <a:rPr lang="en-GB" smtClean="0"/>
+              <a:t>13</a:t>
+            </a:fld>
+            <a:endParaRPr lang="en-GB"/>
+          </a:p>
+        </p:txBody>
+      </p:sp>
+    </p:spTree>
+    <p:extLst>
+      <p:ext uri="{BB962C8B-B14F-4D97-AF65-F5344CB8AC3E}">
+        <p14:creationId xmlns:p14="http://schemas.microsoft.com/office/powerpoint/2010/main" val="3498537470"/>
+      </p:ext>
+    </p:extLst>
+  </p:cSld>
+  <p:clrMapOvr>
+    <a:masterClrMapping/>
+  </p:clrMapOvr>
+</p:notes>
+</file>
+
 <file path=ppt/notesSlides/notesSlide2.xml><?xml version="1.0" encoding="utf-8"?>
 <p:notes xmlns:a="http://schemas.openxmlformats.org/drawingml/2006/main" xmlns:r="http://schemas.openxmlformats.org/officeDocument/2006/relationships" xmlns:p="http://schemas.openxmlformats.org/presentationml/2006/main">
   <p:cSld>
@@ -1367,6 +1538,258 @@
     <p:extLst>
       <p:ext uri="{BB962C8B-B14F-4D97-AF65-F5344CB8AC3E}">
         <p14:creationId xmlns:p14="http://schemas.microsoft.com/office/powerpoint/2010/main" val="208568363"/>
+      </p:ext>
+    </p:extLst>
+  </p:cSld>
+  <p:clrMapOvr>
+    <a:masterClrMapping/>
+  </p:clrMapOvr>
+</p:notes>
+</file>
+
+<file path=ppt/notesSlides/notesSlide7.xml><?xml version="1.0" encoding="utf-8"?>
+<p:notes xmlns:a="http://schemas.openxmlformats.org/drawingml/2006/main" xmlns:r="http://schemas.openxmlformats.org/officeDocument/2006/relationships" xmlns:p="http://schemas.openxmlformats.org/presentationml/2006/main">
+  <p:cSld>
+    <p:spTree>
+      <p:nvGrpSpPr>
+        <p:cNvPr id="1" name=""/>
+        <p:cNvGrpSpPr/>
+        <p:nvPr/>
+      </p:nvGrpSpPr>
+      <p:grpSpPr>
+        <a:xfrm>
+          <a:off x="0" y="0"/>
+          <a:ext cx="0" cy="0"/>
+          <a:chOff x="0" y="0"/>
+          <a:chExt cx="0" cy="0"/>
+        </a:xfrm>
+      </p:grpSpPr>
+      <p:sp>
+        <p:nvSpPr>
+          <p:cNvPr id="2" name="Slide Image Placeholder 1"/>
+          <p:cNvSpPr>
+            <a:spLocks noGrp="1" noRot="1" noChangeAspect="1"/>
+          </p:cNvSpPr>
+          <p:nvPr>
+            <p:ph type="sldImg"/>
+          </p:nvPr>
+        </p:nvSpPr>
+        <p:spPr/>
+      </p:sp>
+      <p:sp>
+        <p:nvSpPr>
+          <p:cNvPr id="3" name="Notes Placeholder 2"/>
+          <p:cNvSpPr>
+            <a:spLocks noGrp="1"/>
+          </p:cNvSpPr>
+          <p:nvPr>
+            <p:ph type="body" idx="1"/>
+          </p:nvPr>
+        </p:nvSpPr>
+        <p:spPr/>
+        <p:txBody>
+          <a:bodyPr/>
+          <a:lstStyle/>
+          <a:p>
+            <a:endParaRPr lang="en-US" dirty="0"/>
+          </a:p>
+        </p:txBody>
+      </p:sp>
+      <p:sp>
+        <p:nvSpPr>
+          <p:cNvPr id="4" name="Slide Number Placeholder 3"/>
+          <p:cNvSpPr>
+            <a:spLocks noGrp="1"/>
+          </p:cNvSpPr>
+          <p:nvPr>
+            <p:ph type="sldNum" sz="quarter" idx="10"/>
+          </p:nvPr>
+        </p:nvSpPr>
+        <p:spPr/>
+        <p:txBody>
+          <a:bodyPr/>
+          <a:lstStyle/>
+          <a:p>
+            <a:fld id="{C8B69A57-660F-494F-A138-1BA3C7CF23A8}" type="slidenum">
+              <a:rPr lang="en-GB" smtClean="0"/>
+              <a:t>8</a:t>
+            </a:fld>
+            <a:endParaRPr lang="en-GB"/>
+          </a:p>
+        </p:txBody>
+      </p:sp>
+    </p:spTree>
+    <p:extLst>
+      <p:ext uri="{BB962C8B-B14F-4D97-AF65-F5344CB8AC3E}">
+        <p14:creationId xmlns:p14="http://schemas.microsoft.com/office/powerpoint/2010/main" val="2374827078"/>
+      </p:ext>
+    </p:extLst>
+  </p:cSld>
+  <p:clrMapOvr>
+    <a:masterClrMapping/>
+  </p:clrMapOvr>
+</p:notes>
+</file>
+
+<file path=ppt/notesSlides/notesSlide8.xml><?xml version="1.0" encoding="utf-8"?>
+<p:notes xmlns:a="http://schemas.openxmlformats.org/drawingml/2006/main" xmlns:r="http://schemas.openxmlformats.org/officeDocument/2006/relationships" xmlns:p="http://schemas.openxmlformats.org/presentationml/2006/main">
+  <p:cSld>
+    <p:spTree>
+      <p:nvGrpSpPr>
+        <p:cNvPr id="1" name=""/>
+        <p:cNvGrpSpPr/>
+        <p:nvPr/>
+      </p:nvGrpSpPr>
+      <p:grpSpPr>
+        <a:xfrm>
+          <a:off x="0" y="0"/>
+          <a:ext cx="0" cy="0"/>
+          <a:chOff x="0" y="0"/>
+          <a:chExt cx="0" cy="0"/>
+        </a:xfrm>
+      </p:grpSpPr>
+      <p:sp>
+        <p:nvSpPr>
+          <p:cNvPr id="2" name="Slide Image Placeholder 1"/>
+          <p:cNvSpPr>
+            <a:spLocks noGrp="1" noRot="1" noChangeAspect="1"/>
+          </p:cNvSpPr>
+          <p:nvPr>
+            <p:ph type="sldImg"/>
+          </p:nvPr>
+        </p:nvSpPr>
+        <p:spPr/>
+      </p:sp>
+      <p:sp>
+        <p:nvSpPr>
+          <p:cNvPr id="3" name="Notes Placeholder 2"/>
+          <p:cNvSpPr>
+            <a:spLocks noGrp="1"/>
+          </p:cNvSpPr>
+          <p:nvPr>
+            <p:ph type="body" idx="1"/>
+          </p:nvPr>
+        </p:nvSpPr>
+        <p:spPr/>
+        <p:txBody>
+          <a:bodyPr/>
+          <a:lstStyle/>
+          <a:p>
+            <a:endParaRPr lang="en-GB" dirty="0"/>
+          </a:p>
+        </p:txBody>
+      </p:sp>
+      <p:sp>
+        <p:nvSpPr>
+          <p:cNvPr id="4" name="Slide Number Placeholder 3"/>
+          <p:cNvSpPr>
+            <a:spLocks noGrp="1"/>
+          </p:cNvSpPr>
+          <p:nvPr>
+            <p:ph type="sldNum" sz="quarter" idx="5"/>
+          </p:nvPr>
+        </p:nvSpPr>
+        <p:spPr/>
+        <p:txBody>
+          <a:bodyPr/>
+          <a:lstStyle/>
+          <a:p>
+            <a:fld id="{C8B69A57-660F-494F-A138-1BA3C7CF23A8}" type="slidenum">
+              <a:rPr lang="en-GB" smtClean="0"/>
+              <a:t>10</a:t>
+            </a:fld>
+            <a:endParaRPr lang="en-GB"/>
+          </a:p>
+        </p:txBody>
+      </p:sp>
+    </p:spTree>
+    <p:extLst>
+      <p:ext uri="{BB962C8B-B14F-4D97-AF65-F5344CB8AC3E}">
+        <p14:creationId xmlns:p14="http://schemas.microsoft.com/office/powerpoint/2010/main" val="2000444142"/>
+      </p:ext>
+    </p:extLst>
+  </p:cSld>
+  <p:clrMapOvr>
+    <a:masterClrMapping/>
+  </p:clrMapOvr>
+</p:notes>
+</file>
+
+<file path=ppt/notesSlides/notesSlide9.xml><?xml version="1.0" encoding="utf-8"?>
+<p:notes xmlns:a="http://schemas.openxmlformats.org/drawingml/2006/main" xmlns:r="http://schemas.openxmlformats.org/officeDocument/2006/relationships" xmlns:p="http://schemas.openxmlformats.org/presentationml/2006/main">
+  <p:cSld>
+    <p:spTree>
+      <p:nvGrpSpPr>
+        <p:cNvPr id="1" name=""/>
+        <p:cNvGrpSpPr/>
+        <p:nvPr/>
+      </p:nvGrpSpPr>
+      <p:grpSpPr>
+        <a:xfrm>
+          <a:off x="0" y="0"/>
+          <a:ext cx="0" cy="0"/>
+          <a:chOff x="0" y="0"/>
+          <a:chExt cx="0" cy="0"/>
+        </a:xfrm>
+      </p:grpSpPr>
+      <p:sp>
+        <p:nvSpPr>
+          <p:cNvPr id="2" name="Slide Image Placeholder 1"/>
+          <p:cNvSpPr>
+            <a:spLocks noGrp="1" noRot="1" noChangeAspect="1"/>
+          </p:cNvSpPr>
+          <p:nvPr>
+            <p:ph type="sldImg"/>
+          </p:nvPr>
+        </p:nvSpPr>
+        <p:spPr/>
+      </p:sp>
+      <p:sp>
+        <p:nvSpPr>
+          <p:cNvPr id="3" name="Notes Placeholder 2"/>
+          <p:cNvSpPr>
+            <a:spLocks noGrp="1"/>
+          </p:cNvSpPr>
+          <p:nvPr>
+            <p:ph type="body" idx="1"/>
+          </p:nvPr>
+        </p:nvSpPr>
+        <p:spPr/>
+        <p:txBody>
+          <a:bodyPr/>
+          <a:lstStyle/>
+          <a:p>
+            <a:endParaRPr lang="en-GB" dirty="0"/>
+          </a:p>
+        </p:txBody>
+      </p:sp>
+      <p:sp>
+        <p:nvSpPr>
+          <p:cNvPr id="4" name="Slide Number Placeholder 3"/>
+          <p:cNvSpPr>
+            <a:spLocks noGrp="1"/>
+          </p:cNvSpPr>
+          <p:nvPr>
+            <p:ph type="sldNum" sz="quarter" idx="5"/>
+          </p:nvPr>
+        </p:nvSpPr>
+        <p:spPr/>
+        <p:txBody>
+          <a:bodyPr/>
+          <a:lstStyle/>
+          <a:p>
+            <a:fld id="{C8B69A57-660F-494F-A138-1BA3C7CF23A8}" type="slidenum">
+              <a:rPr lang="en-GB" smtClean="0"/>
+              <a:t>11</a:t>
+            </a:fld>
+            <a:endParaRPr lang="en-GB"/>
+          </a:p>
+        </p:txBody>
+      </p:sp>
+    </p:spTree>
+    <p:extLst>
+      <p:ext uri="{BB962C8B-B14F-4D97-AF65-F5344CB8AC3E}">
+        <p14:creationId xmlns:p14="http://schemas.microsoft.com/office/powerpoint/2010/main" val="2582857235"/>
       </p:ext>
     </p:extLst>
   </p:cSld>
@@ -1507,7 +1930,7 @@
           <a:p>
             <a:fld id="{3D0D68B9-3CF5-4C1A-88CD-34A3468859A1}" type="datetimeFigureOut">
               <a:rPr lang="en-US" smtClean="0"/>
-              <a:t>6/27/2024</a:t>
+              <a:t>28/06/2024</a:t>
             </a:fld>
             <a:endParaRPr lang="en-US"/>
           </a:p>
@@ -1677,7 +2100,7 @@
           <a:p>
             <a:fld id="{3D0D68B9-3CF5-4C1A-88CD-34A3468859A1}" type="datetimeFigureOut">
               <a:rPr lang="en-US" smtClean="0"/>
-              <a:t>6/27/2024</a:t>
+              <a:t>28/06/2024</a:t>
             </a:fld>
             <a:endParaRPr lang="en-US"/>
           </a:p>
@@ -1857,7 +2280,7 @@
           <a:p>
             <a:fld id="{3D0D68B9-3CF5-4C1A-88CD-34A3468859A1}" type="datetimeFigureOut">
               <a:rPr lang="en-US" smtClean="0"/>
-              <a:t>6/27/2024</a:t>
+              <a:t>28/06/2024</a:t>
             </a:fld>
             <a:endParaRPr lang="en-US"/>
           </a:p>
@@ -2027,7 +2450,7 @@
           <a:p>
             <a:fld id="{3D0D68B9-3CF5-4C1A-88CD-34A3468859A1}" type="datetimeFigureOut">
               <a:rPr lang="en-US" smtClean="0"/>
-              <a:t>6/27/2024</a:t>
+              <a:t>28/06/2024</a:t>
             </a:fld>
             <a:endParaRPr lang="en-US"/>
           </a:p>
@@ -2273,7 +2696,7 @@
           <a:p>
             <a:fld id="{3D0D68B9-3CF5-4C1A-88CD-34A3468859A1}" type="datetimeFigureOut">
               <a:rPr lang="en-US" smtClean="0"/>
-              <a:t>6/27/2024</a:t>
+              <a:t>28/06/2024</a:t>
             </a:fld>
             <a:endParaRPr lang="en-US"/>
           </a:p>
@@ -2505,7 +2928,7 @@
           <a:p>
             <a:fld id="{3D0D68B9-3CF5-4C1A-88CD-34A3468859A1}" type="datetimeFigureOut">
               <a:rPr lang="en-US" smtClean="0"/>
-              <a:t>6/27/2024</a:t>
+              <a:t>28/06/2024</a:t>
             </a:fld>
             <a:endParaRPr lang="en-US"/>
           </a:p>
@@ -2872,7 +3295,7 @@
           <a:p>
             <a:fld id="{3D0D68B9-3CF5-4C1A-88CD-34A3468859A1}" type="datetimeFigureOut">
               <a:rPr lang="en-US" smtClean="0"/>
-              <a:t>6/27/2024</a:t>
+              <a:t>28/06/2024</a:t>
             </a:fld>
             <a:endParaRPr lang="en-US"/>
           </a:p>
@@ -2990,7 +3413,7 @@
           <a:p>
             <a:fld id="{3D0D68B9-3CF5-4C1A-88CD-34A3468859A1}" type="datetimeFigureOut">
               <a:rPr lang="en-US" smtClean="0"/>
-              <a:t>6/27/2024</a:t>
+              <a:t>28/06/2024</a:t>
             </a:fld>
             <a:endParaRPr lang="en-US"/>
           </a:p>
@@ -3085,7 +3508,7 @@
           <a:p>
             <a:fld id="{3D0D68B9-3CF5-4C1A-88CD-34A3468859A1}" type="datetimeFigureOut">
               <a:rPr lang="en-US" smtClean="0"/>
-              <a:t>6/27/2024</a:t>
+              <a:t>28/06/2024</a:t>
             </a:fld>
             <a:endParaRPr lang="en-US"/>
           </a:p>
@@ -3362,7 +3785,7 @@
           <a:p>
             <a:fld id="{3D0D68B9-3CF5-4C1A-88CD-34A3468859A1}" type="datetimeFigureOut">
               <a:rPr lang="en-US" smtClean="0"/>
-              <a:t>6/27/2024</a:t>
+              <a:t>28/06/2024</a:t>
             </a:fld>
             <a:endParaRPr lang="en-US"/>
           </a:p>
@@ -3619,7 +4042,7 @@
           <a:p>
             <a:fld id="{3D0D68B9-3CF5-4C1A-88CD-34A3468859A1}" type="datetimeFigureOut">
               <a:rPr lang="en-US" smtClean="0"/>
-              <a:t>6/27/2024</a:t>
+              <a:t>28/06/2024</a:t>
             </a:fld>
             <a:endParaRPr lang="en-US"/>
           </a:p>
@@ -3832,7 +4255,7 @@
           <a:p>
             <a:fld id="{3D0D68B9-3CF5-4C1A-88CD-34A3468859A1}" type="datetimeFigureOut">
               <a:rPr lang="en-US" smtClean="0"/>
-              <a:t>6/27/2024</a:t>
+              <a:t>28/06/2024</a:t>
             </a:fld>
             <a:endParaRPr lang="en-US"/>
           </a:p>
@@ -4405,14 +4828,71 @@
       </p:grpSpPr>
       <p:sp>
         <p:nvSpPr>
-          <p:cNvPr id="2" name="Rectangle 1"/>
+          <p:cNvPr id="2" name="Google Shape;134;p15">
+            <a:extLst>
+              <a:ext uri="{FF2B5EF4-FFF2-40B4-BE49-F238E27FC236}">
+                <a16:creationId xmlns:a16="http://schemas.microsoft.com/office/drawing/2014/main" id="{064328BE-593F-DAE9-9648-097CA48E3E6B}"/>
+              </a:ext>
+            </a:extLst>
+          </p:cNvPr>
           <p:cNvSpPr/>
           <p:nvPr/>
         </p:nvSpPr>
         <p:spPr>
           <a:xfrm>
-            <a:off x="256674" y="1171073"/>
-            <a:ext cx="7892715" cy="1754326"/>
+            <a:off x="1551999" y="951614"/>
+            <a:ext cx="9601745" cy="3627120"/>
+          </a:xfrm>
+          <a:custGeom>
+            <a:avLst/>
+            <a:gdLst/>
+            <a:ahLst/>
+            <a:cxnLst/>
+            <a:rect l="l" t="t" r="r" b="b"/>
+            <a:pathLst>
+              <a:path w="16230600" h="6898005" extrusionOk="0">
+                <a:moveTo>
+                  <a:pt x="0" y="0"/>
+                </a:moveTo>
+                <a:lnTo>
+                  <a:pt x="16230600" y="0"/>
+                </a:lnTo>
+                <a:lnTo>
+                  <a:pt x="16230600" y="6898004"/>
+                </a:lnTo>
+                <a:lnTo>
+                  <a:pt x="0" y="6898004"/>
+                </a:lnTo>
+                <a:lnTo>
+                  <a:pt x="0" y="0"/>
+                </a:lnTo>
+                <a:close/>
+              </a:path>
+            </a:pathLst>
+          </a:custGeom>
+          <a:blipFill rotWithShape="1">
+            <a:blip r:embed="rId3">
+              <a:alphaModFix/>
+            </a:blip>
+            <a:stretch>
+              <a:fillRect/>
+            </a:stretch>
+          </a:blipFill>
+          <a:ln>
+            <a:noFill/>
+          </a:ln>
+        </p:spPr>
+      </p:sp>
+      <p:sp>
+        <p:nvSpPr>
+          <p:cNvPr id="6" name="Rectangle 5"/>
+          <p:cNvSpPr/>
+          <p:nvPr/>
+        </p:nvSpPr>
+        <p:spPr>
+          <a:xfrm>
+            <a:off x="3009014" y="2158410"/>
+            <a:ext cx="7765312" cy="1446550"/>
           </a:xfrm>
           <a:prstGeom prst="rect">
             <a:avLst/>
@@ -4425,63 +4905,794 @@
           <a:lstStyle/>
           <a:p>
             <a:r>
-              <a:rPr lang="en-US" b="0" i="0" dirty="0">
-                <a:solidFill>
-                  <a:srgbClr val="000000"/>
-                </a:solidFill>
-                <a:effectLst/>
-                <a:latin typeface="ui-sans-serif"/>
-              </a:rPr>
-              <a:t>check box</a:t>
-            </a:r>
-          </a:p>
-          <a:p>
-            <a:endParaRPr lang="en-US" dirty="0">
-              <a:solidFill>
-                <a:srgbClr val="000000"/>
-              </a:solidFill>
-              <a:latin typeface="ui-sans-serif"/>
-            </a:endParaRPr>
-          </a:p>
-          <a:p>
-            <a:r>
-              <a:rPr lang="en-US">
-                <a:solidFill>
-                  <a:srgbClr val="000000"/>
-                </a:solidFill>
-                <a:latin typeface="ui-sans-serif"/>
-              </a:rPr>
-              <a:t>Radix:  trong custom component, phải tạo id để không trùng</a:t>
-            </a:r>
-          </a:p>
-          <a:p>
-            <a:r>
-              <a:rPr lang="en-US">
-                <a:solidFill>
-                  <a:srgbClr val="000000"/>
-                </a:solidFill>
-                <a:latin typeface="ui-sans-serif"/>
-              </a:rPr>
-              <a:t>Headless: </a:t>
-            </a:r>
-            <a:r>
-              <a:rPr lang="vi-VN"/>
-              <a:t>ID được sinh ra tự động</a:t>
-            </a:r>
-            <a:r>
-              <a:rPr lang="en-US"/>
-              <a:t> khi sử dụng Field component để bao bọc một Label và Checkbox, chúng có thể tự động liên kết chúng với nhau.</a:t>
-            </a:r>
-          </a:p>
-          <a:p>
-            <a:endParaRPr lang="en-US" dirty="0"/>
+              <a:rPr lang="en-US" sz="4400" b="1" dirty="0" err="1"/>
+              <a:t>Phát</a:t>
+            </a:r>
+            <a:r>
+              <a:rPr lang="en-US" sz="4400" b="1" dirty="0"/>
+              <a:t> </a:t>
+            </a:r>
+            <a:r>
+              <a:rPr lang="en-US" sz="4400" b="1" dirty="0" err="1"/>
+              <a:t>triển</a:t>
+            </a:r>
+            <a:r>
+              <a:rPr lang="en-US" sz="4400" b="1" dirty="0"/>
+              <a:t> </a:t>
+            </a:r>
+            <a:r>
+              <a:rPr lang="en-US" sz="4400" b="1" dirty="0" err="1"/>
+              <a:t>thành</a:t>
+            </a:r>
+            <a:r>
+              <a:rPr lang="en-US" sz="4400" b="1" dirty="0"/>
+              <a:t> system-</a:t>
+            </a:r>
+            <a:r>
+              <a:rPr lang="en-US" sz="4400" b="1" dirty="0" err="1"/>
+              <a:t>ui</a:t>
+            </a:r>
+            <a:r>
+              <a:rPr lang="en-US" sz="4400" b="1" dirty="0"/>
+              <a:t> </a:t>
+            </a:r>
+            <a:r>
+              <a:rPr lang="en-US" sz="4400" b="1" dirty="0" err="1"/>
+              <a:t>từ</a:t>
+            </a:r>
+            <a:r>
+              <a:rPr lang="en-US" sz="4400" b="1" dirty="0"/>
+              <a:t> </a:t>
+            </a:r>
+            <a:r>
+              <a:rPr lang="en-US" sz="4400" b="1" dirty="0" err="1"/>
+              <a:t>unstyled</a:t>
+            </a:r>
+            <a:r>
+              <a:rPr lang="en-US" sz="4400" b="1" dirty="0"/>
+              <a:t> </a:t>
+            </a:r>
+            <a:r>
+              <a:rPr lang="en-US" sz="4400" b="1" dirty="0" smtClean="0"/>
+              <a:t>component library</a:t>
+            </a:r>
+            <a:endParaRPr lang="en-US" sz="4400" dirty="0"/>
           </a:p>
         </p:txBody>
       </p:sp>
     </p:spTree>
     <p:extLst>
       <p:ext uri="{BB962C8B-B14F-4D97-AF65-F5344CB8AC3E}">
-        <p14:creationId xmlns:p14="http://schemas.microsoft.com/office/powerpoint/2010/main" val="2146580627"/>
+        <p14:creationId xmlns:p14="http://schemas.microsoft.com/office/powerpoint/2010/main" val="1930571397"/>
+      </p:ext>
+    </p:extLst>
+  </p:cSld>
+  <p:clrMapOvr>
+    <a:masterClrMapping/>
+  </p:clrMapOvr>
+</p:sld>
+</file>
+
+<file path=ppt/slides/slide11.xml><?xml version="1.0" encoding="utf-8"?>
+<p:sld xmlns:a="http://schemas.openxmlformats.org/drawingml/2006/main" xmlns:r="http://schemas.openxmlformats.org/officeDocument/2006/relationships" xmlns:p="http://schemas.openxmlformats.org/presentationml/2006/main">
+  <p:cSld>
+    <p:spTree>
+      <p:nvGrpSpPr>
+        <p:cNvPr id="1" name=""/>
+        <p:cNvGrpSpPr/>
+        <p:nvPr/>
+      </p:nvGrpSpPr>
+      <p:grpSpPr>
+        <a:xfrm>
+          <a:off x="0" y="0"/>
+          <a:ext cx="0" cy="0"/>
+          <a:chOff x="0" y="0"/>
+          <a:chExt cx="0" cy="0"/>
+        </a:xfrm>
+      </p:grpSpPr>
+      <p:sp>
+        <p:nvSpPr>
+          <p:cNvPr id="3" name="Rectangle 2"/>
+          <p:cNvSpPr/>
+          <p:nvPr/>
+        </p:nvSpPr>
+        <p:spPr>
+          <a:xfrm>
+            <a:off x="858284" y="2428231"/>
+            <a:ext cx="10548257" cy="3539430"/>
+          </a:xfrm>
+          <a:prstGeom prst="rect">
+            <a:avLst/>
+          </a:prstGeom>
+        </p:spPr>
+        <p:txBody>
+          <a:bodyPr wrap="square">
+            <a:spAutoFit/>
+          </a:bodyPr>
+          <a:lstStyle/>
+          <a:p>
+            <a:pPr marL="457200" indent="-457200">
+              <a:buFont typeface="Arial" panose="020B0604020202020204" pitchFamily="34" charset="0"/>
+              <a:buChar char="•"/>
+            </a:pPr>
+            <a:r>
+              <a:rPr lang="en-US" sz="2800" b="1" dirty="0" err="1" smtClean="0">
+                <a:latin typeface="Arial" panose="020B0604020202020204" pitchFamily="34" charset="0"/>
+                <a:cs typeface="Times New Roman" panose="02020603050405020304" pitchFamily="18" charset="0"/>
+              </a:rPr>
+              <a:t>Classnames</a:t>
+            </a:r>
+            <a:r>
+              <a:rPr lang="en-US" sz="2800" dirty="0" smtClean="0">
+                <a:latin typeface="Arial" panose="020B0604020202020204" pitchFamily="34" charset="0"/>
+                <a:cs typeface="Times New Roman" panose="02020603050405020304" pitchFamily="18" charset="0"/>
+              </a:rPr>
+              <a:t> : </a:t>
+            </a:r>
+            <a:r>
+              <a:rPr lang="en-US" sz="2800" dirty="0" err="1" smtClean="0">
+                <a:latin typeface="Arial" panose="020B0604020202020204" pitchFamily="34" charset="0"/>
+                <a:cs typeface="Times New Roman" panose="02020603050405020304" pitchFamily="18" charset="0"/>
+              </a:rPr>
+              <a:t>dùng</a:t>
+            </a:r>
+            <a:r>
+              <a:rPr lang="en-US" sz="2800" dirty="0" smtClean="0">
+                <a:latin typeface="Arial" panose="020B0604020202020204" pitchFamily="34" charset="0"/>
+                <a:cs typeface="Times New Roman" panose="02020603050405020304" pitchFamily="18" charset="0"/>
+              </a:rPr>
+              <a:t> </a:t>
+            </a:r>
+            <a:r>
+              <a:rPr lang="en-US" sz="2800" dirty="0" err="1" smtClean="0">
+                <a:latin typeface="Arial" panose="020B0604020202020204" pitchFamily="34" charset="0"/>
+                <a:cs typeface="Times New Roman" panose="02020603050405020304" pitchFamily="18" charset="0"/>
+              </a:rPr>
+              <a:t>thư</a:t>
+            </a:r>
+            <a:r>
+              <a:rPr lang="en-US" sz="2800" dirty="0" smtClean="0">
+                <a:latin typeface="Arial" panose="020B0604020202020204" pitchFamily="34" charset="0"/>
+                <a:cs typeface="Times New Roman" panose="02020603050405020304" pitchFamily="18" charset="0"/>
+              </a:rPr>
+              <a:t> </a:t>
+            </a:r>
+            <a:r>
+              <a:rPr lang="en-US" sz="2800" dirty="0" err="1" smtClean="0">
+                <a:latin typeface="Arial" panose="020B0604020202020204" pitchFamily="34" charset="0"/>
+                <a:cs typeface="Times New Roman" panose="02020603050405020304" pitchFamily="18" charset="0"/>
+              </a:rPr>
+              <a:t>viện</a:t>
+            </a:r>
+            <a:r>
+              <a:rPr lang="en-US" sz="2800" dirty="0" smtClean="0">
+                <a:latin typeface="Arial" panose="020B0604020202020204" pitchFamily="34" charset="0"/>
+                <a:cs typeface="Times New Roman" panose="02020603050405020304" pitchFamily="18" charset="0"/>
+              </a:rPr>
+              <a:t> </a:t>
+            </a:r>
+            <a:r>
+              <a:rPr lang="en-US" sz="2800" dirty="0" err="1" smtClean="0">
+                <a:latin typeface="Arial" panose="020B0604020202020204" pitchFamily="34" charset="0"/>
+                <a:cs typeface="Times New Roman" panose="02020603050405020304" pitchFamily="18" charset="0"/>
+              </a:rPr>
+              <a:t>boostrap</a:t>
+            </a:r>
+            <a:r>
+              <a:rPr lang="en-US" sz="2800" dirty="0" smtClean="0">
+                <a:latin typeface="Arial" panose="020B0604020202020204" pitchFamily="34" charset="0"/>
+                <a:cs typeface="Times New Roman" panose="02020603050405020304" pitchFamily="18" charset="0"/>
+              </a:rPr>
+              <a:t>, tailwind</a:t>
+            </a:r>
+          </a:p>
+          <a:p>
+            <a:pPr marL="457200" indent="-457200">
+              <a:buFont typeface="Arial" panose="020B0604020202020204" pitchFamily="34" charset="0"/>
+              <a:buChar char="•"/>
+            </a:pPr>
+            <a:endParaRPr lang="en-US" sz="2800" dirty="0" smtClean="0">
+              <a:latin typeface="Arial" panose="020B0604020202020204" pitchFamily="34" charset="0"/>
+              <a:cs typeface="Times New Roman" panose="02020603050405020304" pitchFamily="18" charset="0"/>
+            </a:endParaRPr>
+          </a:p>
+          <a:p>
+            <a:endParaRPr lang="en-US" sz="2800" dirty="0">
+              <a:latin typeface="Arial" panose="020B0604020202020204" pitchFamily="34" charset="0"/>
+              <a:cs typeface="Times New Roman" panose="02020603050405020304" pitchFamily="18" charset="0"/>
+            </a:endParaRPr>
+          </a:p>
+          <a:p>
+            <a:r>
+              <a:rPr lang="en-US" sz="2800" dirty="0" smtClean="0">
+                <a:latin typeface="Arial" panose="020B0604020202020204" pitchFamily="34" charset="0"/>
+                <a:cs typeface="Times New Roman" panose="02020603050405020304" pitchFamily="18" charset="0"/>
+              </a:rPr>
+              <a:t> </a:t>
+            </a:r>
+          </a:p>
+          <a:p>
+            <a:pPr marL="457200" indent="-457200">
+              <a:buFont typeface="Arial" panose="020B0604020202020204" pitchFamily="34" charset="0"/>
+              <a:buChar char="•"/>
+            </a:pPr>
+            <a:r>
+              <a:rPr lang="en-US" sz="2800" dirty="0" err="1" smtClean="0">
+                <a:latin typeface="Arial" panose="020B0604020202020204" pitchFamily="34" charset="0"/>
+                <a:cs typeface="Times New Roman" panose="02020603050405020304" pitchFamily="18" charset="0"/>
+              </a:rPr>
+              <a:t>Đặt</a:t>
+            </a:r>
+            <a:r>
+              <a:rPr lang="en-US" sz="2800" dirty="0" smtClean="0">
+                <a:latin typeface="Arial" panose="020B0604020202020204" pitchFamily="34" charset="0"/>
+                <a:cs typeface="Times New Roman" panose="02020603050405020304" pitchFamily="18" charset="0"/>
+              </a:rPr>
+              <a:t> </a:t>
+            </a:r>
+            <a:r>
+              <a:rPr lang="en-US" sz="2800" dirty="0" err="1" smtClean="0">
+                <a:latin typeface="Arial" panose="020B0604020202020204" pitchFamily="34" charset="0"/>
+                <a:cs typeface="Times New Roman" panose="02020603050405020304" pitchFamily="18" charset="0"/>
+              </a:rPr>
+              <a:t>tên</a:t>
+            </a:r>
+            <a:r>
+              <a:rPr lang="en-US" sz="2800" dirty="0" smtClean="0">
+                <a:latin typeface="Arial" panose="020B0604020202020204" pitchFamily="34" charset="0"/>
+                <a:cs typeface="Times New Roman" panose="02020603050405020304" pitchFamily="18" charset="0"/>
+              </a:rPr>
+              <a:t> class || id … -&gt; style </a:t>
+            </a:r>
+            <a:r>
+              <a:rPr lang="en-US" sz="2800" dirty="0" err="1" smtClean="0">
+                <a:latin typeface="Arial" panose="020B0604020202020204" pitchFamily="34" charset="0"/>
+                <a:cs typeface="Times New Roman" panose="02020603050405020304" pitchFamily="18" charset="0"/>
+              </a:rPr>
+              <a:t>theo</a:t>
+            </a:r>
+            <a:r>
+              <a:rPr lang="en-US" sz="2800" dirty="0" smtClean="0">
+                <a:latin typeface="Arial" panose="020B0604020202020204" pitchFamily="34" charset="0"/>
+                <a:cs typeface="Times New Roman" panose="02020603050405020304" pitchFamily="18" charset="0"/>
+              </a:rPr>
+              <a:t> file </a:t>
+            </a:r>
+            <a:r>
+              <a:rPr lang="en-US" sz="2800" dirty="0" err="1" smtClean="0">
+                <a:latin typeface="Arial" panose="020B0604020202020204" pitchFamily="34" charset="0"/>
+                <a:cs typeface="Times New Roman" panose="02020603050405020304" pitchFamily="18" charset="0"/>
+              </a:rPr>
+              <a:t>css</a:t>
+            </a:r>
+            <a:endParaRPr lang="en-US" sz="2800" dirty="0" smtClean="0">
+              <a:latin typeface="Arial" panose="020B0604020202020204" pitchFamily="34" charset="0"/>
+              <a:cs typeface="Times New Roman" panose="02020603050405020304" pitchFamily="18" charset="0"/>
+            </a:endParaRPr>
+          </a:p>
+          <a:p>
+            <a:endParaRPr lang="en-US" sz="2800" dirty="0">
+              <a:latin typeface="Arial" panose="020B0604020202020204" pitchFamily="34" charset="0"/>
+              <a:cs typeface="Times New Roman" panose="02020603050405020304" pitchFamily="18" charset="0"/>
+            </a:endParaRPr>
+          </a:p>
+          <a:p>
+            <a:pPr marL="457200" indent="-457200">
+              <a:buFont typeface="Arial" panose="020B0604020202020204" pitchFamily="34" charset="0"/>
+              <a:buChar char="•"/>
+            </a:pPr>
+            <a:r>
+              <a:rPr lang="en-US" sz="2800" dirty="0" err="1" smtClean="0">
+                <a:latin typeface="Arial" panose="020B0604020202020204" pitchFamily="34" charset="0"/>
+                <a:cs typeface="Times New Roman" panose="02020603050405020304" pitchFamily="18" charset="0"/>
+              </a:rPr>
+              <a:t>Bổ</a:t>
+            </a:r>
+            <a:r>
+              <a:rPr lang="en-US" sz="2800" dirty="0" smtClean="0">
+                <a:latin typeface="Arial" panose="020B0604020202020204" pitchFamily="34" charset="0"/>
+                <a:cs typeface="Times New Roman" panose="02020603050405020304" pitchFamily="18" charset="0"/>
+              </a:rPr>
+              <a:t> sung props</a:t>
+            </a:r>
+          </a:p>
+          <a:p>
+            <a:endParaRPr lang="en-US" sz="2800" dirty="0"/>
+          </a:p>
+        </p:txBody>
+      </p:sp>
+      <p:pic>
+        <p:nvPicPr>
+          <p:cNvPr id="4" name="Picture 3"/>
+          <p:cNvPicPr>
+            <a:picLocks noChangeAspect="1"/>
+          </p:cNvPicPr>
+          <p:nvPr/>
+        </p:nvPicPr>
+        <p:blipFill rotWithShape="1">
+          <a:blip r:embed="rId3"/>
+          <a:srcRect t="1732" r="1375"/>
+          <a:stretch/>
+        </p:blipFill>
+        <p:spPr>
+          <a:xfrm>
+            <a:off x="1324684" y="3121810"/>
+            <a:ext cx="8047916" cy="926002"/>
+          </a:xfrm>
+          <a:prstGeom prst="rect">
+            <a:avLst/>
+          </a:prstGeom>
+        </p:spPr>
+      </p:pic>
+      <p:sp>
+        <p:nvSpPr>
+          <p:cNvPr id="7" name="Google Shape;135;p15">
+            <a:extLst>
+              <a:ext uri="{FF2B5EF4-FFF2-40B4-BE49-F238E27FC236}">
+                <a16:creationId xmlns:a16="http://schemas.microsoft.com/office/drawing/2014/main" id="{D16D50AE-2E99-0FA5-7725-940FF50BA900}"/>
+              </a:ext>
+            </a:extLst>
+          </p:cNvPr>
+          <p:cNvSpPr/>
+          <p:nvPr/>
+        </p:nvSpPr>
+        <p:spPr>
+          <a:xfrm>
+            <a:off x="1" y="636814"/>
+            <a:ext cx="10286999" cy="865415"/>
+          </a:xfrm>
+          <a:custGeom>
+            <a:avLst/>
+            <a:gdLst/>
+            <a:ahLst/>
+            <a:cxnLst/>
+            <a:rect l="l" t="t" r="r" b="b"/>
+            <a:pathLst>
+              <a:path w="11240437" h="1026782" extrusionOk="0">
+                <a:moveTo>
+                  <a:pt x="0" y="0"/>
+                </a:moveTo>
+                <a:lnTo>
+                  <a:pt x="11240437" y="0"/>
+                </a:lnTo>
+                <a:lnTo>
+                  <a:pt x="11240437" y="1026783"/>
+                </a:lnTo>
+                <a:lnTo>
+                  <a:pt x="0" y="1026783"/>
+                </a:lnTo>
+                <a:lnTo>
+                  <a:pt x="0" y="0"/>
+                </a:lnTo>
+                <a:close/>
+              </a:path>
+            </a:pathLst>
+          </a:custGeom>
+          <a:blipFill rotWithShape="1">
+            <a:blip r:embed="rId4">
+              <a:alphaModFix/>
+            </a:blip>
+            <a:stretch>
+              <a:fillRect l="-73991"/>
+            </a:stretch>
+          </a:blipFill>
+          <a:ln>
+            <a:noFill/>
+          </a:ln>
+        </p:spPr>
+        <p:txBody>
+          <a:bodyPr/>
+          <a:lstStyle/>
+          <a:p>
+            <a:r>
+              <a:rPr lang="en-US" sz="4000" b="1" dirty="0" smtClean="0">
+                <a:latin typeface="Arial" panose="020B0604020202020204" pitchFamily="34" charset="0"/>
+                <a:cs typeface="Times New Roman" panose="02020603050405020304" pitchFamily="18" charset="0"/>
+              </a:rPr>
+              <a:t> </a:t>
+            </a:r>
+            <a:r>
+              <a:rPr lang="en-US" sz="4000" b="1" dirty="0" err="1" smtClean="0">
+                <a:latin typeface="Arial" panose="020B0604020202020204" pitchFamily="34" charset="0"/>
+                <a:cs typeface="Times New Roman" panose="02020603050405020304" pitchFamily="18" charset="0"/>
+              </a:rPr>
+              <a:t>Truyền</a:t>
+            </a:r>
+            <a:r>
+              <a:rPr lang="en-US" sz="4000" b="1" dirty="0" smtClean="0">
+                <a:latin typeface="Arial" panose="020B0604020202020204" pitchFamily="34" charset="0"/>
+                <a:cs typeface="Times New Roman" panose="02020603050405020304" pitchFamily="18" charset="0"/>
+              </a:rPr>
+              <a:t> style </a:t>
+            </a:r>
+            <a:r>
+              <a:rPr lang="en-US" sz="4000" b="1" dirty="0" err="1">
+                <a:latin typeface="Arial" panose="020B0604020202020204" pitchFamily="34" charset="0"/>
+                <a:cs typeface="Times New Roman" panose="02020603050405020304" pitchFamily="18" charset="0"/>
+              </a:rPr>
+              <a:t>cho</a:t>
+            </a:r>
+            <a:r>
+              <a:rPr lang="en-US" sz="4000" b="1" dirty="0">
+                <a:latin typeface="Arial" panose="020B0604020202020204" pitchFamily="34" charset="0"/>
+                <a:cs typeface="Times New Roman" panose="02020603050405020304" pitchFamily="18" charset="0"/>
+              </a:rPr>
+              <a:t> system-</a:t>
+            </a:r>
+            <a:r>
+              <a:rPr lang="en-US" sz="4000" b="1" dirty="0" err="1">
+                <a:latin typeface="Arial" panose="020B0604020202020204" pitchFamily="34" charset="0"/>
+                <a:cs typeface="Times New Roman" panose="02020603050405020304" pitchFamily="18" charset="0"/>
+              </a:rPr>
+              <a:t>ui</a:t>
+            </a:r>
+            <a:r>
+              <a:rPr lang="en-US" sz="4000" b="1" dirty="0">
+                <a:latin typeface="Arial" panose="020B0604020202020204" pitchFamily="34" charset="0"/>
+                <a:cs typeface="Times New Roman" panose="02020603050405020304" pitchFamily="18" charset="0"/>
+              </a:rPr>
+              <a:t> component</a:t>
+            </a:r>
+          </a:p>
+        </p:txBody>
+      </p:sp>
+    </p:spTree>
+    <p:extLst>
+      <p:ext uri="{BB962C8B-B14F-4D97-AF65-F5344CB8AC3E}">
+        <p14:creationId xmlns:p14="http://schemas.microsoft.com/office/powerpoint/2010/main" val="3376193294"/>
+      </p:ext>
+    </p:extLst>
+  </p:cSld>
+  <p:clrMapOvr>
+    <a:masterClrMapping/>
+  </p:clrMapOvr>
+</p:sld>
+</file>
+
+<file path=ppt/slides/slide12.xml><?xml version="1.0" encoding="utf-8"?>
+<p:sld xmlns:a="http://schemas.openxmlformats.org/drawingml/2006/main" xmlns:r="http://schemas.openxmlformats.org/officeDocument/2006/relationships" xmlns:p="http://schemas.openxmlformats.org/presentationml/2006/main">
+  <p:cSld>
+    <p:spTree>
+      <p:nvGrpSpPr>
+        <p:cNvPr id="1" name=""/>
+        <p:cNvGrpSpPr/>
+        <p:nvPr/>
+      </p:nvGrpSpPr>
+      <p:grpSpPr>
+        <a:xfrm>
+          <a:off x="0" y="0"/>
+          <a:ext cx="0" cy="0"/>
+          <a:chOff x="0" y="0"/>
+          <a:chExt cx="0" cy="0"/>
+        </a:xfrm>
+      </p:grpSpPr>
+      <p:pic>
+        <p:nvPicPr>
+          <p:cNvPr id="5" name="Picture 4"/>
+          <p:cNvPicPr>
+            <a:picLocks noChangeAspect="1"/>
+          </p:cNvPicPr>
+          <p:nvPr/>
+        </p:nvPicPr>
+        <p:blipFill>
+          <a:blip r:embed="rId3"/>
+          <a:stretch>
+            <a:fillRect/>
+          </a:stretch>
+        </p:blipFill>
+        <p:spPr>
+          <a:xfrm>
+            <a:off x="194387" y="2013473"/>
+            <a:ext cx="2820317" cy="4112963"/>
+          </a:xfrm>
+          <a:prstGeom prst="rect">
+            <a:avLst/>
+          </a:prstGeom>
+        </p:spPr>
+      </p:pic>
+      <p:sp>
+        <p:nvSpPr>
+          <p:cNvPr id="9" name="Google Shape;134;p15">
+            <a:extLst>
+              <a:ext uri="{FF2B5EF4-FFF2-40B4-BE49-F238E27FC236}">
+                <a16:creationId xmlns:a16="http://schemas.microsoft.com/office/drawing/2014/main" id="{064328BE-593F-DAE9-9648-097CA48E3E6B}"/>
+              </a:ext>
+            </a:extLst>
+          </p:cNvPr>
+          <p:cNvSpPr/>
+          <p:nvPr/>
+        </p:nvSpPr>
+        <p:spPr>
+          <a:xfrm>
+            <a:off x="4018134" y="0"/>
+            <a:ext cx="3665765" cy="1586049"/>
+          </a:xfrm>
+          <a:custGeom>
+            <a:avLst/>
+            <a:gdLst/>
+            <a:ahLst/>
+            <a:cxnLst/>
+            <a:rect l="l" t="t" r="r" b="b"/>
+            <a:pathLst>
+              <a:path w="16230600" h="6898005" extrusionOk="0">
+                <a:moveTo>
+                  <a:pt x="0" y="0"/>
+                </a:moveTo>
+                <a:lnTo>
+                  <a:pt x="16230600" y="0"/>
+                </a:lnTo>
+                <a:lnTo>
+                  <a:pt x="16230600" y="6898004"/>
+                </a:lnTo>
+                <a:lnTo>
+                  <a:pt x="0" y="6898004"/>
+                </a:lnTo>
+                <a:lnTo>
+                  <a:pt x="0" y="0"/>
+                </a:lnTo>
+                <a:close/>
+              </a:path>
+            </a:pathLst>
+          </a:custGeom>
+          <a:blipFill rotWithShape="1">
+            <a:blip r:embed="rId4">
+              <a:alphaModFix/>
+            </a:blip>
+            <a:stretch>
+              <a:fillRect/>
+            </a:stretch>
+          </a:blipFill>
+          <a:ln>
+            <a:noFill/>
+          </a:ln>
+        </p:spPr>
+      </p:sp>
+      <p:pic>
+        <p:nvPicPr>
+          <p:cNvPr id="10" name="Picture 9"/>
+          <p:cNvPicPr>
+            <a:picLocks noChangeAspect="1"/>
+          </p:cNvPicPr>
+          <p:nvPr/>
+        </p:nvPicPr>
+        <p:blipFill rotWithShape="1">
+          <a:blip r:embed="rId5"/>
+          <a:srcRect b="2731"/>
+          <a:stretch/>
+        </p:blipFill>
+        <p:spPr>
+          <a:xfrm>
+            <a:off x="3083886" y="2013474"/>
+            <a:ext cx="4350436" cy="3554570"/>
+          </a:xfrm>
+          <a:prstGeom prst="rect">
+            <a:avLst/>
+          </a:prstGeom>
+        </p:spPr>
+      </p:pic>
+      <p:sp>
+        <p:nvSpPr>
+          <p:cNvPr id="11" name="TextBox 10"/>
+          <p:cNvSpPr txBox="1"/>
+          <p:nvPr/>
+        </p:nvSpPr>
+        <p:spPr>
+          <a:xfrm>
+            <a:off x="5120591" y="469858"/>
+            <a:ext cx="1498872" cy="646331"/>
+          </a:xfrm>
+          <a:prstGeom prst="rect">
+            <a:avLst/>
+          </a:prstGeom>
+          <a:noFill/>
+        </p:spPr>
+        <p:txBody>
+          <a:bodyPr wrap="none" rtlCol="0">
+            <a:spAutoFit/>
+          </a:bodyPr>
+          <a:lstStyle/>
+          <a:p>
+            <a:r>
+              <a:rPr lang="en-US" sz="3600" b="1" dirty="0" smtClean="0"/>
+              <a:t>Button</a:t>
+            </a:r>
+            <a:endParaRPr lang="en-US" sz="3600" b="1" dirty="0"/>
+          </a:p>
+        </p:txBody>
+      </p:sp>
+      <p:pic>
+        <p:nvPicPr>
+          <p:cNvPr id="12" name="Picture 11"/>
+          <p:cNvPicPr>
+            <a:picLocks noChangeAspect="1"/>
+          </p:cNvPicPr>
+          <p:nvPr/>
+        </p:nvPicPr>
+        <p:blipFill>
+          <a:blip r:embed="rId6"/>
+          <a:stretch>
+            <a:fillRect/>
+          </a:stretch>
+        </p:blipFill>
+        <p:spPr>
+          <a:xfrm>
+            <a:off x="7666788" y="2013473"/>
+            <a:ext cx="4409324" cy="2329927"/>
+          </a:xfrm>
+          <a:prstGeom prst="rect">
+            <a:avLst/>
+          </a:prstGeom>
+        </p:spPr>
+      </p:pic>
+    </p:spTree>
+    <p:extLst>
+      <p:ext uri="{BB962C8B-B14F-4D97-AF65-F5344CB8AC3E}">
+        <p14:creationId xmlns:p14="http://schemas.microsoft.com/office/powerpoint/2010/main" val="289672016"/>
+      </p:ext>
+    </p:extLst>
+  </p:cSld>
+  <p:clrMapOvr>
+    <a:masterClrMapping/>
+  </p:clrMapOvr>
+</p:sld>
+</file>
+
+<file path=ppt/slides/slide13.xml><?xml version="1.0" encoding="utf-8"?>
+<p:sld xmlns:a="http://schemas.openxmlformats.org/drawingml/2006/main" xmlns:r="http://schemas.openxmlformats.org/officeDocument/2006/relationships" xmlns:p="http://schemas.openxmlformats.org/presentationml/2006/main">
+  <p:cSld>
+    <p:spTree>
+      <p:nvGrpSpPr>
+        <p:cNvPr id="1" name=""/>
+        <p:cNvGrpSpPr/>
+        <p:nvPr/>
+      </p:nvGrpSpPr>
+      <p:grpSpPr>
+        <a:xfrm>
+          <a:off x="0" y="0"/>
+          <a:ext cx="0" cy="0"/>
+          <a:chOff x="0" y="0"/>
+          <a:chExt cx="0" cy="0"/>
+        </a:xfrm>
+      </p:grpSpPr>
+      <p:pic>
+        <p:nvPicPr>
+          <p:cNvPr id="5" name="Picture 4"/>
+          <p:cNvPicPr>
+            <a:picLocks noChangeAspect="1"/>
+          </p:cNvPicPr>
+          <p:nvPr/>
+        </p:nvPicPr>
+        <p:blipFill>
+          <a:blip r:embed="rId3"/>
+          <a:stretch>
+            <a:fillRect/>
+          </a:stretch>
+        </p:blipFill>
+        <p:spPr>
+          <a:xfrm>
+            <a:off x="194387" y="2013473"/>
+            <a:ext cx="2820317" cy="4112963"/>
+          </a:xfrm>
+          <a:prstGeom prst="rect">
+            <a:avLst/>
+          </a:prstGeom>
+        </p:spPr>
+      </p:pic>
+      <p:sp>
+        <p:nvSpPr>
+          <p:cNvPr id="9" name="Google Shape;134;p15">
+            <a:extLst>
+              <a:ext uri="{FF2B5EF4-FFF2-40B4-BE49-F238E27FC236}">
+                <a16:creationId xmlns:a16="http://schemas.microsoft.com/office/drawing/2014/main" id="{064328BE-593F-DAE9-9648-097CA48E3E6B}"/>
+              </a:ext>
+            </a:extLst>
+          </p:cNvPr>
+          <p:cNvSpPr/>
+          <p:nvPr/>
+        </p:nvSpPr>
+        <p:spPr>
+          <a:xfrm>
+            <a:off x="4018134" y="0"/>
+            <a:ext cx="3665765" cy="1586049"/>
+          </a:xfrm>
+          <a:custGeom>
+            <a:avLst/>
+            <a:gdLst/>
+            <a:ahLst/>
+            <a:cxnLst/>
+            <a:rect l="l" t="t" r="r" b="b"/>
+            <a:pathLst>
+              <a:path w="16230600" h="6898005" extrusionOk="0">
+                <a:moveTo>
+                  <a:pt x="0" y="0"/>
+                </a:moveTo>
+                <a:lnTo>
+                  <a:pt x="16230600" y="0"/>
+                </a:lnTo>
+                <a:lnTo>
+                  <a:pt x="16230600" y="6898004"/>
+                </a:lnTo>
+                <a:lnTo>
+                  <a:pt x="0" y="6898004"/>
+                </a:lnTo>
+                <a:lnTo>
+                  <a:pt x="0" y="0"/>
+                </a:lnTo>
+                <a:close/>
+              </a:path>
+            </a:pathLst>
+          </a:custGeom>
+          <a:blipFill rotWithShape="1">
+            <a:blip r:embed="rId4">
+              <a:alphaModFix/>
+            </a:blip>
+            <a:stretch>
+              <a:fillRect/>
+            </a:stretch>
+          </a:blipFill>
+          <a:ln>
+            <a:noFill/>
+          </a:ln>
+        </p:spPr>
+      </p:sp>
+      <p:sp>
+        <p:nvSpPr>
+          <p:cNvPr id="11" name="TextBox 10"/>
+          <p:cNvSpPr txBox="1"/>
+          <p:nvPr/>
+        </p:nvSpPr>
+        <p:spPr>
+          <a:xfrm>
+            <a:off x="5120591" y="469858"/>
+            <a:ext cx="1498872" cy="646331"/>
+          </a:xfrm>
+          <a:prstGeom prst="rect">
+            <a:avLst/>
+          </a:prstGeom>
+          <a:noFill/>
+        </p:spPr>
+        <p:txBody>
+          <a:bodyPr wrap="none" rtlCol="0">
+            <a:spAutoFit/>
+          </a:bodyPr>
+          <a:lstStyle/>
+          <a:p>
+            <a:r>
+              <a:rPr lang="en-US" sz="3600" b="1" dirty="0" smtClean="0"/>
+              <a:t>Button</a:t>
+            </a:r>
+            <a:endParaRPr lang="en-US" sz="3600" b="1" dirty="0"/>
+          </a:p>
+        </p:txBody>
+      </p:sp>
+      <p:pic>
+        <p:nvPicPr>
+          <p:cNvPr id="2" name="Picture 1"/>
+          <p:cNvPicPr>
+            <a:picLocks noChangeAspect="1"/>
+          </p:cNvPicPr>
+          <p:nvPr/>
+        </p:nvPicPr>
+        <p:blipFill>
+          <a:blip r:embed="rId5"/>
+          <a:stretch>
+            <a:fillRect/>
+          </a:stretch>
+        </p:blipFill>
+        <p:spPr>
+          <a:xfrm>
+            <a:off x="3531509" y="2013473"/>
+            <a:ext cx="4152390" cy="2132744"/>
+          </a:xfrm>
+          <a:prstGeom prst="rect">
+            <a:avLst/>
+          </a:prstGeom>
+        </p:spPr>
+      </p:pic>
+    </p:spTree>
+    <p:extLst>
+      <p:ext uri="{BB962C8B-B14F-4D97-AF65-F5344CB8AC3E}">
+        <p14:creationId xmlns:p14="http://schemas.microsoft.com/office/powerpoint/2010/main" val="1629839105"/>
       </p:ext>
     </p:extLst>
   </p:cSld>
@@ -4942,14 +6153,38 @@
           <a:lstStyle/>
           <a:p>
             <a:r>
-              <a:rPr lang="en-US" sz="6000" b="1">
-                <a:latin typeface="Arial" panose="020B0604020202020204" pitchFamily="34" charset="0"/>
-                <a:ea typeface="Calibri" panose="020F0502020204030204" pitchFamily="34" charset="0"/>
-                <a:cs typeface="Times New Roman" panose="02020603050405020304" pitchFamily="18" charset="0"/>
-              </a:rPr>
-              <a:t>	Khái niệm</a:t>
-            </a:r>
-            <a:endParaRPr lang="en-US" sz="6000">
+              <a:rPr lang="en-US" sz="6000" b="1" dirty="0">
+                <a:latin typeface="Arial" panose="020B0604020202020204" pitchFamily="34" charset="0"/>
+                <a:ea typeface="Calibri" panose="020F0502020204030204" pitchFamily="34" charset="0"/>
+                <a:cs typeface="Times New Roman" panose="02020603050405020304" pitchFamily="18" charset="0"/>
+              </a:rPr>
+              <a:t>	</a:t>
+            </a:r>
+            <a:r>
+              <a:rPr lang="en-US" sz="6000" b="1" dirty="0" err="1">
+                <a:latin typeface="Arial" panose="020B0604020202020204" pitchFamily="34" charset="0"/>
+                <a:ea typeface="Calibri" panose="020F0502020204030204" pitchFamily="34" charset="0"/>
+                <a:cs typeface="Times New Roman" panose="02020603050405020304" pitchFamily="18" charset="0"/>
+              </a:rPr>
+              <a:t>Khái</a:t>
+            </a:r>
+            <a:r>
+              <a:rPr lang="en-US" sz="6000" b="1" dirty="0">
+                <a:latin typeface="Arial" panose="020B0604020202020204" pitchFamily="34" charset="0"/>
+                <a:ea typeface="Calibri" panose="020F0502020204030204" pitchFamily="34" charset="0"/>
+                <a:cs typeface="Times New Roman" panose="02020603050405020304" pitchFamily="18" charset="0"/>
+              </a:rPr>
+              <a:t> </a:t>
+            </a:r>
+            <a:r>
+              <a:rPr lang="en-US" sz="6000" b="1" dirty="0" err="1">
+                <a:latin typeface="Arial" panose="020B0604020202020204" pitchFamily="34" charset="0"/>
+                <a:ea typeface="Calibri" panose="020F0502020204030204" pitchFamily="34" charset="0"/>
+                <a:cs typeface="Times New Roman" panose="02020603050405020304" pitchFamily="18" charset="0"/>
+              </a:rPr>
+              <a:t>niệm</a:t>
+            </a:r>
+            <a:endParaRPr lang="en-US" sz="6000" dirty="0">
               <a:latin typeface="Arial" panose="020B0604020202020204" pitchFamily="34" charset="0"/>
               <a:ea typeface="Calibri" panose="020F0502020204030204" pitchFamily="34" charset="0"/>
               <a:cs typeface="Times New Roman" panose="02020603050405020304" pitchFamily="18" charset="0"/>
@@ -6759,15 +7994,15 @@
           <p:nvPr/>
         </p:nvPicPr>
         <p:blipFill>
-          <a:blip r:embed="rId2"/>
+          <a:blip r:embed="rId3"/>
           <a:stretch>
             <a:fillRect/>
           </a:stretch>
         </p:blipFill>
         <p:spPr>
           <a:xfrm>
-            <a:off x="3869483" y="1818103"/>
-            <a:ext cx="2495898" cy="3134162"/>
+            <a:off x="4575331" y="1575801"/>
+            <a:ext cx="2793462" cy="3507821"/>
           </a:xfrm>
           <a:prstGeom prst="rect">
             <a:avLst/>
@@ -6783,15 +8018,15 @@
           <p:nvPr/>
         </p:nvPicPr>
         <p:blipFill>
-          <a:blip r:embed="rId3"/>
+          <a:blip r:embed="rId4"/>
           <a:stretch>
             <a:fillRect/>
           </a:stretch>
         </p:blipFill>
         <p:spPr>
           <a:xfrm>
-            <a:off x="535735" y="1818103"/>
-            <a:ext cx="2457793" cy="3067478"/>
+            <a:off x="1241582" y="1575800"/>
+            <a:ext cx="2810615" cy="3507821"/>
           </a:xfrm>
           <a:prstGeom prst="rect">
             <a:avLst/>
@@ -6807,14 +8042,14 @@
           <p:nvPr/>
         </p:nvPicPr>
         <p:blipFill>
-          <a:blip r:embed="rId4"/>
+          <a:blip r:embed="rId5"/>
           <a:stretch>
             <a:fillRect/>
           </a:stretch>
         </p:blipFill>
         <p:spPr>
           <a:xfrm>
-            <a:off x="3869482" y="5240624"/>
+            <a:off x="4675986" y="5465215"/>
             <a:ext cx="2495899" cy="765409"/>
           </a:xfrm>
           <a:prstGeom prst="rect">
@@ -6831,14 +8066,14 @@
           <p:nvPr/>
         </p:nvPicPr>
         <p:blipFill>
-          <a:blip r:embed="rId5"/>
+          <a:blip r:embed="rId6"/>
           <a:stretch>
             <a:fillRect/>
           </a:stretch>
         </p:blipFill>
         <p:spPr>
           <a:xfrm>
-            <a:off x="533957" y="5234329"/>
+            <a:off x="1370435" y="5458919"/>
             <a:ext cx="2511823" cy="771705"/>
           </a:xfrm>
           <a:prstGeom prst="rect">
@@ -6860,7 +8095,7 @@
         </p:nvSpPr>
         <p:spPr>
           <a:xfrm>
-            <a:off x="215353" y="221370"/>
+            <a:off x="921201" y="221370"/>
             <a:ext cx="3037300" cy="1228608"/>
           </a:xfrm>
           <a:custGeom>
@@ -6891,7 +8126,7 @@
             </a:pathLst>
           </a:custGeom>
           <a:blipFill rotWithShape="1">
-            <a:blip r:embed="rId6">
+            <a:blip r:embed="rId7">
               <a:alphaModFix/>
             </a:blip>
             <a:stretch>
@@ -6925,7 +8160,7 @@
         </p:nvSpPr>
         <p:spPr>
           <a:xfrm>
-            <a:off x="664588" y="579799"/>
+            <a:off x="1370436" y="579799"/>
             <a:ext cx="2511822" cy="519886"/>
           </a:xfrm>
           <a:prstGeom prst="rect">
@@ -6972,7 +8207,7 @@
         </p:nvSpPr>
         <p:spPr>
           <a:xfrm>
-            <a:off x="3649636" y="190192"/>
+            <a:off x="4355484" y="190192"/>
             <a:ext cx="3037300" cy="1228608"/>
           </a:xfrm>
           <a:custGeom>
@@ -7003,7 +8238,7 @@
             </a:pathLst>
           </a:custGeom>
           <a:blipFill rotWithShape="1">
-            <a:blip r:embed="rId6">
+            <a:blip r:embed="rId7">
               <a:alphaModFix/>
             </a:blip>
             <a:stretch>
@@ -7037,7 +8272,7 @@
         </p:nvSpPr>
         <p:spPr>
           <a:xfrm>
-            <a:off x="4151123" y="535558"/>
+            <a:off x="4856971" y="535558"/>
             <a:ext cx="2511822" cy="519886"/>
           </a:xfrm>
           <a:prstGeom prst="rect">
@@ -7070,6 +8305,171 @@
           </a:p>
         </p:txBody>
       </p:sp>
+      <p:sp>
+        <p:nvSpPr>
+          <p:cNvPr id="12" name="Google Shape;449;p36">
+            <a:extLst>
+              <a:ext uri="{FF2B5EF4-FFF2-40B4-BE49-F238E27FC236}">
+                <a16:creationId xmlns:a16="http://schemas.microsoft.com/office/drawing/2014/main" id="{A7A66D3A-A80A-6B19-7508-81BCBB5592BF}"/>
+              </a:ext>
+            </a:extLst>
+          </p:cNvPr>
+          <p:cNvSpPr/>
+          <p:nvPr/>
+        </p:nvSpPr>
+        <p:spPr>
+          <a:xfrm>
+            <a:off x="7972926" y="221370"/>
+            <a:ext cx="3625516" cy="1228608"/>
+          </a:xfrm>
+          <a:custGeom>
+            <a:avLst/>
+            <a:gdLst/>
+            <a:ahLst/>
+            <a:cxnLst/>
+            <a:rect l="l" t="t" r="r" b="b"/>
+            <a:pathLst>
+              <a:path w="2566319" h="1090686" extrusionOk="0">
+                <a:moveTo>
+                  <a:pt x="0" y="0"/>
+                </a:moveTo>
+                <a:lnTo>
+                  <a:pt x="2566319" y="0"/>
+                </a:lnTo>
+                <a:lnTo>
+                  <a:pt x="2566319" y="1090686"/>
+                </a:lnTo>
+                <a:lnTo>
+                  <a:pt x="0" y="1090686"/>
+                </a:lnTo>
+                <a:lnTo>
+                  <a:pt x="0" y="0"/>
+                </a:lnTo>
+                <a:close/>
+              </a:path>
+            </a:pathLst>
+          </a:custGeom>
+          <a:blipFill rotWithShape="1">
+            <a:blip r:embed="rId7">
+              <a:alphaModFix/>
+            </a:blip>
+            <a:stretch>
+              <a:fillRect/>
+            </a:stretch>
+          </a:blipFill>
+          <a:ln>
+            <a:noFill/>
+          </a:ln>
+        </p:spPr>
+        <p:txBody>
+          <a:bodyPr/>
+          <a:lstStyle/>
+          <a:p>
+            <a:pPr algn="ctr"/>
+            <a:endParaRPr lang="en-GB"/>
+          </a:p>
+        </p:txBody>
+      </p:sp>
+      <p:sp>
+        <p:nvSpPr>
+          <p:cNvPr id="16" name="TextBox 15">
+            <a:extLst>
+              <a:ext uri="{FF2B5EF4-FFF2-40B4-BE49-F238E27FC236}">
+                <a16:creationId xmlns:a16="http://schemas.microsoft.com/office/drawing/2014/main" id="{1F95D8FD-DF86-30A3-0249-CB2CD78272AD}"/>
+              </a:ext>
+            </a:extLst>
+          </p:cNvPr>
+          <p:cNvSpPr txBox="1"/>
+          <p:nvPr/>
+        </p:nvSpPr>
+        <p:spPr>
+          <a:xfrm>
+            <a:off x="7989028" y="566736"/>
+            <a:ext cx="3013309" cy="553357"/>
+          </a:xfrm>
+          <a:prstGeom prst="rect">
+            <a:avLst/>
+          </a:prstGeom>
+          <a:noFill/>
+        </p:spPr>
+        <p:txBody>
+          <a:bodyPr wrap="square">
+            <a:spAutoFit/>
+          </a:bodyPr>
+          <a:lstStyle/>
+          <a:p>
+            <a:pPr>
+              <a:lnSpc>
+                <a:spcPct val="107000"/>
+              </a:lnSpc>
+              <a:spcAft>
+                <a:spcPts val="800"/>
+              </a:spcAft>
+            </a:pPr>
+            <a:r>
+              <a:rPr lang="en-US" sz="2800" b="1" dirty="0" smtClean="0">
+                <a:latin typeface="Arial" panose="020B0604020202020204" pitchFamily="34" charset="0"/>
+                <a:ea typeface="Calibri" panose="020F0502020204030204" pitchFamily="34" charset="0"/>
+                <a:cs typeface="Times New Roman" panose="02020603050405020304" pitchFamily="18" charset="0"/>
+              </a:rPr>
+              <a:t>Radix Primitives</a:t>
+            </a:r>
+            <a:endParaRPr lang="en-US" sz="2800" b="1" dirty="0">
+              <a:latin typeface="Arial" panose="020B0604020202020204" pitchFamily="34" charset="0"/>
+              <a:ea typeface="Calibri" panose="020F0502020204030204" pitchFamily="34" charset="0"/>
+              <a:cs typeface="Times New Roman" panose="02020603050405020304" pitchFamily="18" charset="0"/>
+            </a:endParaRPr>
+          </a:p>
+        </p:txBody>
+      </p:sp>
+      <p:pic>
+        <p:nvPicPr>
+          <p:cNvPr id="2" name="Picture 1"/>
+          <p:cNvPicPr>
+            <a:picLocks noChangeAspect="1"/>
+          </p:cNvPicPr>
+          <p:nvPr/>
+        </p:nvPicPr>
+        <p:blipFill>
+          <a:blip r:embed="rId8"/>
+          <a:stretch>
+            <a:fillRect/>
+          </a:stretch>
+        </p:blipFill>
+        <p:spPr>
+          <a:xfrm>
+            <a:off x="7989027" y="1566045"/>
+            <a:ext cx="2695015" cy="3546640"/>
+          </a:xfrm>
+          <a:prstGeom prst="rect">
+            <a:avLst/>
+          </a:prstGeom>
+        </p:spPr>
+      </p:pic>
+      <p:pic>
+        <p:nvPicPr>
+          <p:cNvPr id="4" name="Picture 3"/>
+          <p:cNvPicPr>
+            <a:picLocks noChangeAspect="1"/>
+          </p:cNvPicPr>
+          <p:nvPr/>
+        </p:nvPicPr>
+        <p:blipFill>
+          <a:blip r:embed="rId9"/>
+          <a:stretch>
+            <a:fillRect/>
+          </a:stretch>
+        </p:blipFill>
+        <p:spPr>
+          <a:xfrm>
+            <a:off x="7971713" y="5442286"/>
+            <a:ext cx="2695014" cy="788338"/>
+          </a:xfrm>
+          <a:prstGeom prst="rect">
+            <a:avLst/>
+          </a:prstGeom>
+        </p:spPr>
+      </p:pic>
     </p:spTree>
     <p:extLst>
       <p:ext uri="{BB962C8B-B14F-4D97-AF65-F5344CB8AC3E}">
@@ -7334,7 +8734,7 @@
               <a:buNone/>
             </a:pPr>
             <a:r>
-              <a:rPr lang="en-US" sz="1400">
+              <a:rPr lang="en-US" sz="2000">
                 <a:solidFill>
                   <a:srgbClr val="FFFFFF"/>
                 </a:solidFill>
@@ -7345,7 +8745,7 @@
               </a:rPr>
               <a:t>Star</a:t>
             </a:r>
-            <a:endParaRPr lang="en-GB" sz="1400">
+            <a:endParaRPr lang="en-GB" sz="2000">
               <a:solidFill>
                 <a:srgbClr val="FFFFFF"/>
               </a:solidFill>
@@ -7806,7 +9206,7 @@
               <a:buNone/>
             </a:pPr>
             <a:r>
-              <a:rPr lang="en-US" sz="1400">
+              <a:rPr lang="en-US" sz="2000">
                 <a:solidFill>
                   <a:srgbClr val="FFFFFF"/>
                 </a:solidFill>
@@ -7817,7 +9217,7 @@
               </a:rPr>
               <a:t>Số lượng component</a:t>
             </a:r>
-            <a:endParaRPr lang="en-GB" sz="1400">
+            <a:endParaRPr lang="en-GB" sz="2000">
               <a:solidFill>
                 <a:srgbClr val="FFFFFF"/>
               </a:solidFill>
@@ -8172,7 +9572,7 @@
               <a:buNone/>
             </a:pPr>
             <a:r>
-              <a:rPr lang="en-US" sz="1400">
+              <a:rPr lang="en-US" sz="2000" smtClean="0">
                 <a:solidFill>
                   <a:srgbClr val="FFFFFF"/>
                 </a:solidFill>
@@ -8183,7 +9583,7 @@
               </a:rPr>
               <a:t>Size</a:t>
             </a:r>
-            <a:endParaRPr lang="en-GB" sz="1400">
+            <a:endParaRPr lang="en-GB" sz="2000">
               <a:solidFill>
                 <a:srgbClr val="FFFFFF"/>
               </a:solidFill>
@@ -8561,6 +9961,408 @@
           </a:custGeom>
           <a:solidFill>
             <a:srgbClr val="D752A4"/>
+          </a:solidFill>
+          <a:ln>
+            <a:noFill/>
+          </a:ln>
+        </p:spPr>
+        <p:txBody>
+          <a:bodyPr spcFirstLastPara="1" wrap="square" lIns="34300" tIns="17150" rIns="34300" bIns="17150" anchor="ctr" anchorCtr="0">
+            <a:noAutofit/>
+          </a:bodyPr>
+          <a:lstStyle/>
+          <a:p>
+            <a:pPr marL="0" marR="0" lvl="0" indent="0" algn="l" rtl="0">
+              <a:spcBef>
+                <a:spcPts val="0"/>
+              </a:spcBef>
+              <a:spcAft>
+                <a:spcPts val="0"/>
+              </a:spcAft>
+              <a:buNone/>
+            </a:pPr>
+            <a:endParaRPr sz="1400">
+              <a:solidFill>
+                <a:srgbClr val="D752A4"/>
+              </a:solidFill>
+              <a:latin typeface="Lato Light"/>
+              <a:ea typeface="Lato Light"/>
+              <a:cs typeface="Lato Light"/>
+              <a:sym typeface="Lato Light"/>
+            </a:endParaRPr>
+          </a:p>
+        </p:txBody>
+      </p:sp>
+      <p:sp>
+        <p:nvSpPr>
+          <p:cNvPr id="23" name="Google Shape;389;p27">
+            <a:extLst>
+              <a:ext uri="{FF2B5EF4-FFF2-40B4-BE49-F238E27FC236}">
+                <a16:creationId xmlns:a16="http://schemas.microsoft.com/office/drawing/2014/main" id="{0483AE96-1F40-2A36-A7DA-5D4DD9C4B4DA}"/>
+              </a:ext>
+            </a:extLst>
+          </p:cNvPr>
+          <p:cNvSpPr/>
+          <p:nvPr/>
+        </p:nvSpPr>
+        <p:spPr>
+          <a:xfrm>
+            <a:off x="561747" y="5253965"/>
+            <a:ext cx="2627315" cy="660635"/>
+          </a:xfrm>
+          <a:prstGeom prst="roundRect">
+            <a:avLst>
+              <a:gd name="adj" fmla="val 9314"/>
+            </a:avLst>
+          </a:prstGeom>
+          <a:noFill/>
+          <a:ln w="19050" cap="flat" cmpd="sng">
+            <a:solidFill>
+              <a:srgbClr val="FFFFFF"/>
+            </a:solidFill>
+            <a:prstDash val="solid"/>
+            <a:round/>
+            <a:headEnd type="none" w="sm" len="sm"/>
+            <a:tailEnd type="none" w="sm" len="sm"/>
+          </a:ln>
+        </p:spPr>
+        <p:txBody>
+          <a:bodyPr spcFirstLastPara="1" wrap="square" lIns="34300" tIns="17150" rIns="34300" bIns="17150" anchor="ctr" anchorCtr="0">
+            <a:noAutofit/>
+          </a:bodyPr>
+          <a:lstStyle/>
+          <a:p>
+            <a:pPr marL="0" lvl="0" indent="0" algn="l" rtl="0">
+              <a:spcBef>
+                <a:spcPts val="0"/>
+              </a:spcBef>
+              <a:spcAft>
+                <a:spcPts val="0"/>
+              </a:spcAft>
+              <a:buClr>
+                <a:srgbClr val="D752A4"/>
+              </a:buClr>
+              <a:buSzPts val="1100"/>
+              <a:buFont typeface="Arial"/>
+              <a:buNone/>
+            </a:pPr>
+            <a:r>
+              <a:rPr lang="en-US" sz="2000" dirty="0" err="1" smtClean="0">
+                <a:solidFill>
+                  <a:srgbClr val="FFFFFF"/>
+                </a:solidFill>
+                <a:latin typeface="Lato Light"/>
+                <a:ea typeface="Lato Light"/>
+                <a:cs typeface="Lato Light"/>
+                <a:sym typeface="Lato Light"/>
+              </a:rPr>
+              <a:t>Tương</a:t>
+            </a:r>
+            <a:r>
+              <a:rPr lang="en-US" sz="2000" dirty="0" smtClean="0">
+                <a:solidFill>
+                  <a:srgbClr val="FFFFFF"/>
+                </a:solidFill>
+                <a:latin typeface="Lato Light"/>
+                <a:ea typeface="Lato Light"/>
+                <a:cs typeface="Lato Light"/>
+                <a:sym typeface="Lato Light"/>
+              </a:rPr>
+              <a:t> </a:t>
+            </a:r>
+            <a:r>
+              <a:rPr lang="en-US" sz="2000" dirty="0" err="1" smtClean="0">
+                <a:solidFill>
+                  <a:srgbClr val="FFFFFF"/>
+                </a:solidFill>
+                <a:latin typeface="Lato Light"/>
+                <a:ea typeface="Lato Light"/>
+                <a:cs typeface="Lato Light"/>
+                <a:sym typeface="Lato Light"/>
+              </a:rPr>
+              <a:t>thích</a:t>
+            </a:r>
+            <a:r>
+              <a:rPr lang="en-US" sz="2000" dirty="0" smtClean="0">
+                <a:solidFill>
+                  <a:srgbClr val="FFFFFF"/>
+                </a:solidFill>
+                <a:latin typeface="Lato Light"/>
+                <a:ea typeface="Lato Light"/>
+                <a:cs typeface="Lato Light"/>
+                <a:sym typeface="Lato Light"/>
+              </a:rPr>
+              <a:t> version React</a:t>
+            </a:r>
+            <a:endParaRPr lang="en-GB" sz="2000" dirty="0">
+              <a:solidFill>
+                <a:srgbClr val="FFFFFF"/>
+              </a:solidFill>
+              <a:latin typeface="Lato Light"/>
+              <a:ea typeface="Lato Light"/>
+              <a:cs typeface="Lato Light"/>
+              <a:sym typeface="Lato Light"/>
+            </a:endParaRPr>
+          </a:p>
+        </p:txBody>
+      </p:sp>
+      <p:sp>
+        <p:nvSpPr>
+          <p:cNvPr id="24" name="Google Shape;394;p27">
+            <a:extLst>
+              <a:ext uri="{FF2B5EF4-FFF2-40B4-BE49-F238E27FC236}">
+                <a16:creationId xmlns:a16="http://schemas.microsoft.com/office/drawing/2014/main" id="{D72C5D27-86FD-BB3A-4B4E-554C7F6B4C78}"/>
+              </a:ext>
+            </a:extLst>
+          </p:cNvPr>
+          <p:cNvSpPr/>
+          <p:nvPr/>
+        </p:nvSpPr>
+        <p:spPr>
+          <a:xfrm>
+            <a:off x="3586907" y="5261841"/>
+            <a:ext cx="2226927" cy="660635"/>
+          </a:xfrm>
+          <a:prstGeom prst="roundRect">
+            <a:avLst>
+              <a:gd name="adj" fmla="val 9314"/>
+            </a:avLst>
+          </a:prstGeom>
+          <a:noFill/>
+          <a:ln w="19050" cap="flat" cmpd="sng">
+            <a:solidFill>
+              <a:srgbClr val="D752A4"/>
+            </a:solidFill>
+            <a:prstDash val="solid"/>
+            <a:round/>
+            <a:headEnd type="none" w="sm" len="sm"/>
+            <a:tailEnd type="none" w="sm" len="sm"/>
+          </a:ln>
+        </p:spPr>
+        <p:txBody>
+          <a:bodyPr spcFirstLastPara="1" wrap="square" lIns="34300" tIns="17150" rIns="34300" bIns="17150" anchor="ctr" anchorCtr="0">
+            <a:noAutofit/>
+          </a:bodyPr>
+          <a:lstStyle/>
+          <a:p>
+            <a:pPr marL="0" marR="0" lvl="0" indent="0" algn="ctr" rtl="0">
+              <a:spcBef>
+                <a:spcPts val="0"/>
+              </a:spcBef>
+              <a:spcAft>
+                <a:spcPts val="0"/>
+              </a:spcAft>
+              <a:buNone/>
+            </a:pPr>
+            <a:endParaRPr sz="1400">
+              <a:solidFill>
+                <a:srgbClr val="31A9EA"/>
+              </a:solidFill>
+              <a:latin typeface="Lato Light"/>
+              <a:ea typeface="Lato Light"/>
+              <a:cs typeface="Lato Light"/>
+              <a:sym typeface="Lato Light"/>
+            </a:endParaRPr>
+          </a:p>
+        </p:txBody>
+      </p:sp>
+      <p:sp>
+        <p:nvSpPr>
+          <p:cNvPr id="25" name="Google Shape;399;p27">
+            <a:extLst>
+              <a:ext uri="{FF2B5EF4-FFF2-40B4-BE49-F238E27FC236}">
+                <a16:creationId xmlns:a16="http://schemas.microsoft.com/office/drawing/2014/main" id="{6861D284-7798-458D-F892-BBAF9386511C}"/>
+              </a:ext>
+            </a:extLst>
+          </p:cNvPr>
+          <p:cNvSpPr/>
+          <p:nvPr/>
+        </p:nvSpPr>
+        <p:spPr>
+          <a:xfrm>
+            <a:off x="6187986" y="5261841"/>
+            <a:ext cx="2226927" cy="660635"/>
+          </a:xfrm>
+          <a:prstGeom prst="roundRect">
+            <a:avLst>
+              <a:gd name="adj" fmla="val 9314"/>
+            </a:avLst>
+          </a:prstGeom>
+          <a:noFill/>
+          <a:ln w="9525" cap="flat" cmpd="sng">
+            <a:solidFill>
+              <a:srgbClr val="31A9EA"/>
+            </a:solidFill>
+            <a:prstDash val="solid"/>
+            <a:round/>
+            <a:headEnd type="none" w="sm" len="sm"/>
+            <a:tailEnd type="none" w="sm" len="sm"/>
+          </a:ln>
+        </p:spPr>
+        <p:txBody>
+          <a:bodyPr spcFirstLastPara="1" wrap="square" lIns="34300" tIns="17150" rIns="34300" bIns="17150" anchor="ctr" anchorCtr="0">
+            <a:noAutofit/>
+          </a:bodyPr>
+          <a:lstStyle/>
+          <a:p>
+            <a:pPr marL="0" marR="0" lvl="0" indent="0" algn="ctr" rtl="0">
+              <a:spcBef>
+                <a:spcPts val="0"/>
+              </a:spcBef>
+              <a:spcAft>
+                <a:spcPts val="0"/>
+              </a:spcAft>
+              <a:buNone/>
+            </a:pPr>
+            <a:endParaRPr sz="1400">
+              <a:solidFill>
+                <a:srgbClr val="31A9EA"/>
+              </a:solidFill>
+              <a:latin typeface="Lato Light"/>
+              <a:ea typeface="Lato Light"/>
+              <a:cs typeface="Lato Light"/>
+              <a:sym typeface="Lato Light"/>
+            </a:endParaRPr>
+          </a:p>
+        </p:txBody>
+      </p:sp>
+      <p:sp>
+        <p:nvSpPr>
+          <p:cNvPr id="26" name="Google Shape;404;p27">
+            <a:extLst>
+              <a:ext uri="{FF2B5EF4-FFF2-40B4-BE49-F238E27FC236}">
+                <a16:creationId xmlns:a16="http://schemas.microsoft.com/office/drawing/2014/main" id="{3184DEFA-4FEC-29F9-8C2F-74B029B9268F}"/>
+              </a:ext>
+            </a:extLst>
+          </p:cNvPr>
+          <p:cNvSpPr/>
+          <p:nvPr/>
+        </p:nvSpPr>
+        <p:spPr>
+          <a:xfrm>
+            <a:off x="8808948" y="5261842"/>
+            <a:ext cx="2226927" cy="660635"/>
+          </a:xfrm>
+          <a:prstGeom prst="roundRect">
+            <a:avLst>
+              <a:gd name="adj" fmla="val 9314"/>
+            </a:avLst>
+          </a:prstGeom>
+          <a:noFill/>
+          <a:ln w="19050" cap="flat" cmpd="sng">
+            <a:solidFill>
+              <a:srgbClr val="F9DC01"/>
+            </a:solidFill>
+            <a:prstDash val="solid"/>
+            <a:round/>
+            <a:headEnd type="none" w="sm" len="sm"/>
+            <a:tailEnd type="none" w="sm" len="sm"/>
+          </a:ln>
+        </p:spPr>
+        <p:txBody>
+          <a:bodyPr spcFirstLastPara="1" wrap="square" lIns="34300" tIns="17150" rIns="34300" bIns="17150" anchor="ctr" anchorCtr="0">
+            <a:noAutofit/>
+          </a:bodyPr>
+          <a:lstStyle/>
+          <a:p>
+            <a:pPr marL="0" marR="0" lvl="0" indent="0" algn="ctr" rtl="0">
+              <a:spcBef>
+                <a:spcPts val="0"/>
+              </a:spcBef>
+              <a:spcAft>
+                <a:spcPts val="0"/>
+              </a:spcAft>
+              <a:buNone/>
+            </a:pPr>
+            <a:endParaRPr sz="1400">
+              <a:solidFill>
+                <a:srgbClr val="31A9EA"/>
+              </a:solidFill>
+              <a:latin typeface="Lato Light"/>
+              <a:ea typeface="Lato Light"/>
+              <a:cs typeface="Lato Light"/>
+              <a:sym typeface="Lato Light"/>
+            </a:endParaRPr>
+          </a:p>
+        </p:txBody>
+      </p:sp>
+      <p:sp>
+        <p:nvSpPr>
+          <p:cNvPr id="28" name="Google Shape;417;p27">
+            <a:extLst>
+              <a:ext uri="{FF2B5EF4-FFF2-40B4-BE49-F238E27FC236}">
+                <a16:creationId xmlns:a16="http://schemas.microsoft.com/office/drawing/2014/main" id="{5E2061F8-7C24-AEA2-763B-82A34AF09DD6}"/>
+              </a:ext>
+            </a:extLst>
+          </p:cNvPr>
+          <p:cNvSpPr/>
+          <p:nvPr/>
+        </p:nvSpPr>
+        <p:spPr>
+          <a:xfrm>
+            <a:off x="7182419" y="5440276"/>
+            <a:ext cx="347484" cy="303262"/>
+          </a:xfrm>
+          <a:custGeom>
+            <a:avLst/>
+            <a:gdLst/>
+            <a:ahLst/>
+            <a:cxnLst/>
+            <a:rect l="l" t="t" r="r" b="b"/>
+            <a:pathLst>
+              <a:path w="5250" h="4113" extrusionOk="0">
+                <a:moveTo>
+                  <a:pt x="1845" y="4112"/>
+                </a:moveTo>
+                <a:lnTo>
+                  <a:pt x="205" y="2473"/>
+                </a:lnTo>
+                <a:lnTo>
+                  <a:pt x="205" y="2473"/>
+                </a:lnTo>
+                <a:cubicBezTo>
+                  <a:pt x="0" y="2267"/>
+                  <a:pt x="0" y="1935"/>
+                  <a:pt x="205" y="1730"/>
+                </a:cubicBezTo>
+                <a:lnTo>
+                  <a:pt x="205" y="1730"/>
+                </a:lnTo>
+                <a:cubicBezTo>
+                  <a:pt x="410" y="1524"/>
+                  <a:pt x="743" y="1524"/>
+                  <a:pt x="948" y="1730"/>
+                </a:cubicBezTo>
+                <a:lnTo>
+                  <a:pt x="1849" y="2630"/>
+                </a:lnTo>
+                <a:lnTo>
+                  <a:pt x="4302" y="205"/>
+                </a:lnTo>
+                <a:lnTo>
+                  <a:pt x="4302" y="205"/>
+                </a:lnTo>
+                <a:cubicBezTo>
+                  <a:pt x="4508" y="0"/>
+                  <a:pt x="4841" y="2"/>
+                  <a:pt x="5045" y="209"/>
+                </a:cubicBezTo>
+                <a:lnTo>
+                  <a:pt x="5045" y="209"/>
+                </a:lnTo>
+                <a:cubicBezTo>
+                  <a:pt x="5249" y="415"/>
+                  <a:pt x="5247" y="748"/>
+                  <a:pt x="5041" y="952"/>
+                </a:cubicBezTo>
+                <a:lnTo>
+                  <a:pt x="1845" y="4112"/>
+                </a:lnTo>
+              </a:path>
+            </a:pathLst>
+          </a:custGeom>
+          <a:solidFill>
+            <a:srgbClr val="31A9EA"/>
           </a:solidFill>
           <a:ln>
             <a:noFill/>
